--- a/abbildungen.pptx
+++ b/abbildungen.pptx
@@ -6,6 +6,7 @@
   </p:sldMasterIdLst>
   <p:sldIdLst>
     <p:sldId id="256" r:id="rId2"/>
+    <p:sldId id="257" r:id="rId3"/>
   </p:sldIdLst>
   <p:sldSz cx="18000663" cy="6858000"/>
   <p:notesSz cx="6858000" cy="9144000"/>
@@ -104,6 +105,11 @@
       </a:defRPr>
     </a:lvl9pPr>
   </p:defaultTextStyle>
+  <p:extLst>
+    <p:ext uri="{EFAFB233-063F-42B5-8137-9DF3F51BA10A}">
+      <p15:sldGuideLst xmlns:p15="http://schemas.microsoft.com/office/powerpoint/2012/main"/>
+    </p:ext>
+  </p:extLst>
 </p:presentation>
 </file>
 
@@ -238,7 +244,7 @@
           <a:p>
             <a:fld id="{0634D24E-BD22-E34C-A3DE-22969B61DDDB}" type="datetimeFigureOut">
               <a:rPr lang="de-DE" smtClean="0"/>
-              <a:t>10.06.19</a:t>
+              <a:t>11.06.19</a:t>
             </a:fld>
             <a:endParaRPr lang="de-DE"/>
           </a:p>
@@ -408,7 +414,7 @@
           <a:p>
             <a:fld id="{0634D24E-BD22-E34C-A3DE-22969B61DDDB}" type="datetimeFigureOut">
               <a:rPr lang="de-DE" smtClean="0"/>
-              <a:t>10.06.19</a:t>
+              <a:t>11.06.19</a:t>
             </a:fld>
             <a:endParaRPr lang="de-DE"/>
           </a:p>
@@ -588,7 +594,7 @@
           <a:p>
             <a:fld id="{0634D24E-BD22-E34C-A3DE-22969B61DDDB}" type="datetimeFigureOut">
               <a:rPr lang="de-DE" smtClean="0"/>
-              <a:t>10.06.19</a:t>
+              <a:t>11.06.19</a:t>
             </a:fld>
             <a:endParaRPr lang="de-DE"/>
           </a:p>
@@ -758,7 +764,7 @@
           <a:p>
             <a:fld id="{0634D24E-BD22-E34C-A3DE-22969B61DDDB}" type="datetimeFigureOut">
               <a:rPr lang="de-DE" smtClean="0"/>
-              <a:t>10.06.19</a:t>
+              <a:t>11.06.19</a:t>
             </a:fld>
             <a:endParaRPr lang="de-DE"/>
           </a:p>
@@ -1004,7 +1010,7 @@
           <a:p>
             <a:fld id="{0634D24E-BD22-E34C-A3DE-22969B61DDDB}" type="datetimeFigureOut">
               <a:rPr lang="de-DE" smtClean="0"/>
-              <a:t>10.06.19</a:t>
+              <a:t>11.06.19</a:t>
             </a:fld>
             <a:endParaRPr lang="de-DE"/>
           </a:p>
@@ -1236,7 +1242,7 @@
           <a:p>
             <a:fld id="{0634D24E-BD22-E34C-A3DE-22969B61DDDB}" type="datetimeFigureOut">
               <a:rPr lang="de-DE" smtClean="0"/>
-              <a:t>10.06.19</a:t>
+              <a:t>11.06.19</a:t>
             </a:fld>
             <a:endParaRPr lang="de-DE"/>
           </a:p>
@@ -1603,7 +1609,7 @@
           <a:p>
             <a:fld id="{0634D24E-BD22-E34C-A3DE-22969B61DDDB}" type="datetimeFigureOut">
               <a:rPr lang="de-DE" smtClean="0"/>
-              <a:t>10.06.19</a:t>
+              <a:t>11.06.19</a:t>
             </a:fld>
             <a:endParaRPr lang="de-DE"/>
           </a:p>
@@ -1721,7 +1727,7 @@
           <a:p>
             <a:fld id="{0634D24E-BD22-E34C-A3DE-22969B61DDDB}" type="datetimeFigureOut">
               <a:rPr lang="de-DE" smtClean="0"/>
-              <a:t>10.06.19</a:t>
+              <a:t>11.06.19</a:t>
             </a:fld>
             <a:endParaRPr lang="de-DE"/>
           </a:p>
@@ -1816,7 +1822,7 @@
           <a:p>
             <a:fld id="{0634D24E-BD22-E34C-A3DE-22969B61DDDB}" type="datetimeFigureOut">
               <a:rPr lang="de-DE" smtClean="0"/>
-              <a:t>10.06.19</a:t>
+              <a:t>11.06.19</a:t>
             </a:fld>
             <a:endParaRPr lang="de-DE"/>
           </a:p>
@@ -2093,7 +2099,7 @@
           <a:p>
             <a:fld id="{0634D24E-BD22-E34C-A3DE-22969B61DDDB}" type="datetimeFigureOut">
               <a:rPr lang="de-DE" smtClean="0"/>
-              <a:t>10.06.19</a:t>
+              <a:t>11.06.19</a:t>
             </a:fld>
             <a:endParaRPr lang="de-DE"/>
           </a:p>
@@ -2350,7 +2356,7 @@
           <a:p>
             <a:fld id="{0634D24E-BD22-E34C-A3DE-22969B61DDDB}" type="datetimeFigureOut">
               <a:rPr lang="de-DE" smtClean="0"/>
-              <a:t>10.06.19</a:t>
+              <a:t>11.06.19</a:t>
             </a:fld>
             <a:endParaRPr lang="de-DE"/>
           </a:p>
@@ -2563,7 +2569,7 @@
           <a:p>
             <a:fld id="{0634D24E-BD22-E34C-A3DE-22969B61DDDB}" type="datetimeFigureOut">
               <a:rPr lang="de-DE" smtClean="0"/>
-              <a:t>10.06.19</a:t>
+              <a:t>11.06.19</a:t>
             </a:fld>
             <a:endParaRPr lang="de-DE"/>
           </a:p>
@@ -4355,6 +4361,598 @@
 </p:sld>
 </file>
 
+<file path=ppt/slides/slide2.xml><?xml version="1.0" encoding="utf-8"?>
+<p:sld xmlns:a="http://schemas.openxmlformats.org/drawingml/2006/main" xmlns:r="http://schemas.openxmlformats.org/officeDocument/2006/relationships" xmlns:p="http://schemas.openxmlformats.org/presentationml/2006/main">
+  <p:cSld>
+    <p:spTree>
+      <p:nvGrpSpPr>
+        <p:cNvPr id="1" name=""/>
+        <p:cNvGrpSpPr/>
+        <p:nvPr/>
+      </p:nvGrpSpPr>
+      <p:grpSpPr>
+        <a:xfrm>
+          <a:off x="0" y="0"/>
+          <a:ext cx="0" cy="0"/>
+          <a:chOff x="0" y="0"/>
+          <a:chExt cx="0" cy="0"/>
+        </a:xfrm>
+      </p:grpSpPr>
+      <p:sp>
+        <p:nvSpPr>
+          <p:cNvPr id="20" name="Bent-Up Arrow 19">
+            <a:extLst>
+              <a:ext uri="{FF2B5EF4-FFF2-40B4-BE49-F238E27FC236}">
+                <a16:creationId xmlns:a16="http://schemas.microsoft.com/office/drawing/2014/main" id="{28CFAD0B-082C-7F49-B722-67E2926FBE9C}"/>
+              </a:ext>
+            </a:extLst>
+          </p:cNvPr>
+          <p:cNvSpPr/>
+          <p:nvPr/>
+        </p:nvSpPr>
+        <p:spPr>
+          <a:xfrm>
+            <a:off x="10581826" y="3783206"/>
+            <a:ext cx="1991803" cy="592574"/>
+          </a:xfrm>
+          <a:prstGeom prst="bentUpArrow">
+            <a:avLst/>
+          </a:prstGeom>
+        </p:spPr>
+        <p:style>
+          <a:lnRef idx="2">
+            <a:schemeClr val="accent1">
+              <a:shade val="50000"/>
+            </a:schemeClr>
+          </a:lnRef>
+          <a:fillRef idx="1">
+            <a:schemeClr val="accent1"/>
+          </a:fillRef>
+          <a:effectRef idx="0">
+            <a:schemeClr val="accent1"/>
+          </a:effectRef>
+          <a:fontRef idx="minor">
+            <a:schemeClr val="lt1"/>
+          </a:fontRef>
+        </p:style>
+        <p:txBody>
+          <a:bodyPr rtlCol="0" anchor="ctr"/>
+          <a:lstStyle/>
+          <a:p>
+            <a:pPr algn="ctr"/>
+            <a:endParaRPr lang="de-DE"/>
+          </a:p>
+        </p:txBody>
+      </p:sp>
+      <p:sp>
+        <p:nvSpPr>
+          <p:cNvPr id="8" name="TextBox 7">
+            <a:extLst>
+              <a:ext uri="{FF2B5EF4-FFF2-40B4-BE49-F238E27FC236}">
+                <a16:creationId xmlns:a16="http://schemas.microsoft.com/office/drawing/2014/main" id="{AC385018-45AA-6049-989B-69322F412363}"/>
+              </a:ext>
+            </a:extLst>
+          </p:cNvPr>
+          <p:cNvSpPr txBox="1"/>
+          <p:nvPr/>
+        </p:nvSpPr>
+        <p:spPr>
+          <a:xfrm>
+            <a:off x="8254796" y="3212854"/>
+            <a:ext cx="1053911" cy="369332"/>
+          </a:xfrm>
+          <a:prstGeom prst="rect">
+            <a:avLst/>
+          </a:prstGeom>
+          <a:noFill/>
+          <a:ln>
+            <a:solidFill>
+              <a:schemeClr val="accent1"/>
+            </a:solidFill>
+          </a:ln>
+        </p:spPr>
+        <p:txBody>
+          <a:bodyPr wrap="square" rtlCol="0">
+            <a:spAutoFit/>
+          </a:bodyPr>
+          <a:lstStyle/>
+          <a:p>
+            <a:r>
+              <a:rPr lang="de-DE" dirty="0"/>
+              <a:t>Player 1</a:t>
+            </a:r>
+          </a:p>
+        </p:txBody>
+      </p:sp>
+      <p:sp>
+        <p:nvSpPr>
+          <p:cNvPr id="9" name="TextBox 8">
+            <a:extLst>
+              <a:ext uri="{FF2B5EF4-FFF2-40B4-BE49-F238E27FC236}">
+                <a16:creationId xmlns:a16="http://schemas.microsoft.com/office/drawing/2014/main" id="{6F9991BE-3143-0040-98DF-377A1695CE28}"/>
+              </a:ext>
+            </a:extLst>
+          </p:cNvPr>
+          <p:cNvSpPr txBox="1"/>
+          <p:nvPr/>
+        </p:nvSpPr>
+        <p:spPr>
+          <a:xfrm>
+            <a:off x="4320540" y="1257300"/>
+            <a:ext cx="1257300" cy="369332"/>
+          </a:xfrm>
+          <a:prstGeom prst="rect">
+            <a:avLst/>
+          </a:prstGeom>
+          <a:noFill/>
+        </p:spPr>
+        <p:txBody>
+          <a:bodyPr wrap="square" rtlCol="0">
+            <a:spAutoFit/>
+          </a:bodyPr>
+          <a:lstStyle/>
+          <a:p>
+            <a:r>
+              <a:rPr lang="de-DE" dirty="0" err="1"/>
+              <a:t>Commands</a:t>
+            </a:r>
+            <a:endParaRPr lang="de-DE" dirty="0"/>
+          </a:p>
+        </p:txBody>
+      </p:sp>
+      <p:sp>
+        <p:nvSpPr>
+          <p:cNvPr id="10" name="TextBox 9">
+            <a:extLst>
+              <a:ext uri="{FF2B5EF4-FFF2-40B4-BE49-F238E27FC236}">
+                <a16:creationId xmlns:a16="http://schemas.microsoft.com/office/drawing/2014/main" id="{A06DB63D-CB35-4448-B676-1F09F762E9BF}"/>
+              </a:ext>
+            </a:extLst>
+          </p:cNvPr>
+          <p:cNvSpPr txBox="1"/>
+          <p:nvPr/>
+        </p:nvSpPr>
+        <p:spPr>
+          <a:xfrm>
+            <a:off x="9470491" y="1182631"/>
+            <a:ext cx="1257300" cy="369332"/>
+          </a:xfrm>
+          <a:prstGeom prst="rect">
+            <a:avLst/>
+          </a:prstGeom>
+          <a:noFill/>
+        </p:spPr>
+        <p:txBody>
+          <a:bodyPr wrap="square" rtlCol="0">
+            <a:spAutoFit/>
+          </a:bodyPr>
+          <a:lstStyle/>
+          <a:p>
+            <a:r>
+              <a:rPr lang="de-DE" dirty="0"/>
+              <a:t>Events</a:t>
+            </a:r>
+          </a:p>
+        </p:txBody>
+      </p:sp>
+      <p:sp>
+        <p:nvSpPr>
+          <p:cNvPr id="13" name="Bent-Up Arrow 12">
+            <a:extLst>
+              <a:ext uri="{FF2B5EF4-FFF2-40B4-BE49-F238E27FC236}">
+                <a16:creationId xmlns:a16="http://schemas.microsoft.com/office/drawing/2014/main" id="{85829908-A83C-ED4A-92BE-90161B67F786}"/>
+              </a:ext>
+            </a:extLst>
+          </p:cNvPr>
+          <p:cNvSpPr/>
+          <p:nvPr/>
+        </p:nvSpPr>
+        <p:spPr>
+          <a:xfrm rot="5400000">
+            <a:off x="8262257" y="3186722"/>
+            <a:ext cx="705087" cy="1869871"/>
+          </a:xfrm>
+          <a:prstGeom prst="bentUpArrow">
+            <a:avLst>
+              <a:gd name="adj1" fmla="val 25000"/>
+              <a:gd name="adj2" fmla="val 22523"/>
+              <a:gd name="adj3" fmla="val 25000"/>
+            </a:avLst>
+          </a:prstGeom>
+        </p:spPr>
+        <p:style>
+          <a:lnRef idx="2">
+            <a:schemeClr val="accent1">
+              <a:shade val="50000"/>
+            </a:schemeClr>
+          </a:lnRef>
+          <a:fillRef idx="1">
+            <a:schemeClr val="accent1"/>
+          </a:fillRef>
+          <a:effectRef idx="0">
+            <a:schemeClr val="accent1"/>
+          </a:effectRef>
+          <a:fontRef idx="minor">
+            <a:schemeClr val="lt1"/>
+          </a:fontRef>
+        </p:style>
+        <p:txBody>
+          <a:bodyPr rtlCol="0" anchor="ctr"/>
+          <a:lstStyle/>
+          <a:p>
+            <a:pPr algn="ctr"/>
+            <a:endParaRPr lang="de-DE"/>
+          </a:p>
+        </p:txBody>
+      </p:sp>
+      <p:sp>
+        <p:nvSpPr>
+          <p:cNvPr id="14" name="Bent-Up Arrow 13">
+            <a:extLst>
+              <a:ext uri="{FF2B5EF4-FFF2-40B4-BE49-F238E27FC236}">
+                <a16:creationId xmlns:a16="http://schemas.microsoft.com/office/drawing/2014/main" id="{0CDDAB76-6B9A-7149-84A8-8D3BBAF9E37D}"/>
+              </a:ext>
+            </a:extLst>
+          </p:cNvPr>
+          <p:cNvSpPr/>
+          <p:nvPr/>
+        </p:nvSpPr>
+        <p:spPr>
+          <a:xfrm>
+            <a:off x="9308707" y="2836426"/>
+            <a:ext cx="1991803" cy="592574"/>
+          </a:xfrm>
+          <a:prstGeom prst="bentUpArrow">
+            <a:avLst/>
+          </a:prstGeom>
+        </p:spPr>
+        <p:style>
+          <a:lnRef idx="2">
+            <a:schemeClr val="accent1">
+              <a:shade val="50000"/>
+            </a:schemeClr>
+          </a:lnRef>
+          <a:fillRef idx="1">
+            <a:schemeClr val="accent1"/>
+          </a:fillRef>
+          <a:effectRef idx="0">
+            <a:schemeClr val="accent1"/>
+          </a:effectRef>
+          <a:fontRef idx="minor">
+            <a:schemeClr val="lt1"/>
+          </a:fontRef>
+        </p:style>
+        <p:txBody>
+          <a:bodyPr rtlCol="0" anchor="ctr"/>
+          <a:lstStyle/>
+          <a:p>
+            <a:pPr algn="ctr"/>
+            <a:endParaRPr lang="de-DE"/>
+          </a:p>
+        </p:txBody>
+      </p:sp>
+      <p:cxnSp>
+        <p:nvCxnSpPr>
+          <p:cNvPr id="4" name="Straight Connector 3">
+            <a:extLst>
+              <a:ext uri="{FF2B5EF4-FFF2-40B4-BE49-F238E27FC236}">
+                <a16:creationId xmlns:a16="http://schemas.microsoft.com/office/drawing/2014/main" id="{3827BFD0-7FDB-464E-84D9-2A217352CB04}"/>
+              </a:ext>
+            </a:extLst>
+          </p:cNvPr>
+          <p:cNvCxnSpPr>
+            <a:cxnSpLocks/>
+          </p:cNvCxnSpPr>
+          <p:nvPr/>
+        </p:nvCxnSpPr>
+        <p:spPr>
+          <a:xfrm>
+            <a:off x="10099141" y="1832956"/>
+            <a:ext cx="3439937" cy="2761904"/>
+          </a:xfrm>
+          <a:prstGeom prst="line">
+            <a:avLst/>
+          </a:prstGeom>
+          <a:ln w="254000" cap="rnd">
+            <a:solidFill>
+              <a:schemeClr val="accent2"/>
+            </a:solidFill>
+          </a:ln>
+        </p:spPr>
+        <p:style>
+          <a:lnRef idx="1">
+            <a:schemeClr val="accent1"/>
+          </a:lnRef>
+          <a:fillRef idx="0">
+            <a:schemeClr val="accent1"/>
+          </a:fillRef>
+          <a:effectRef idx="0">
+            <a:schemeClr val="accent1"/>
+          </a:effectRef>
+          <a:fontRef idx="minor">
+            <a:schemeClr val="tx1"/>
+          </a:fontRef>
+        </p:style>
+      </p:cxnSp>
+      <p:sp>
+        <p:nvSpPr>
+          <p:cNvPr id="15" name="Bent-Up Arrow 14">
+            <a:extLst>
+              <a:ext uri="{FF2B5EF4-FFF2-40B4-BE49-F238E27FC236}">
+                <a16:creationId xmlns:a16="http://schemas.microsoft.com/office/drawing/2014/main" id="{AB96D3D8-B6C4-8E4F-9E72-D90D2A8E0C3A}"/>
+              </a:ext>
+            </a:extLst>
+          </p:cNvPr>
+          <p:cNvSpPr/>
+          <p:nvPr/>
+        </p:nvSpPr>
+        <p:spPr>
+          <a:xfrm rot="10800000">
+            <a:off x="5783580" y="1851659"/>
+            <a:ext cx="1143000" cy="502920"/>
+          </a:xfrm>
+          <a:prstGeom prst="bentUpArrow">
+            <a:avLst/>
+          </a:prstGeom>
+        </p:spPr>
+        <p:style>
+          <a:lnRef idx="2">
+            <a:schemeClr val="accent1">
+              <a:shade val="50000"/>
+            </a:schemeClr>
+          </a:lnRef>
+          <a:fillRef idx="1">
+            <a:schemeClr val="accent1"/>
+          </a:fillRef>
+          <a:effectRef idx="0">
+            <a:schemeClr val="accent1"/>
+          </a:effectRef>
+          <a:fontRef idx="minor">
+            <a:schemeClr val="lt1"/>
+          </a:fontRef>
+        </p:style>
+        <p:txBody>
+          <a:bodyPr rtlCol="0" anchor="ctr"/>
+          <a:lstStyle/>
+          <a:p>
+            <a:pPr algn="ctr"/>
+            <a:endParaRPr lang="de-DE"/>
+          </a:p>
+        </p:txBody>
+      </p:sp>
+      <p:sp>
+        <p:nvSpPr>
+          <p:cNvPr id="16" name="TextBox 15">
+            <a:extLst>
+              <a:ext uri="{FF2B5EF4-FFF2-40B4-BE49-F238E27FC236}">
+                <a16:creationId xmlns:a16="http://schemas.microsoft.com/office/drawing/2014/main" id="{6D5C6B95-8BF2-DC4A-ABBD-AEBA6A6EC914}"/>
+              </a:ext>
+            </a:extLst>
+          </p:cNvPr>
+          <p:cNvSpPr txBox="1"/>
+          <p:nvPr/>
+        </p:nvSpPr>
+        <p:spPr>
+          <a:xfrm>
+            <a:off x="6971479" y="1693629"/>
+            <a:ext cx="1330860" cy="369332"/>
+          </a:xfrm>
+          <a:prstGeom prst="rect">
+            <a:avLst/>
+          </a:prstGeom>
+          <a:noFill/>
+          <a:ln>
+            <a:solidFill>
+              <a:schemeClr val="accent1"/>
+            </a:solidFill>
+          </a:ln>
+        </p:spPr>
+        <p:txBody>
+          <a:bodyPr wrap="square" rtlCol="0">
+            <a:spAutoFit/>
+          </a:bodyPr>
+          <a:lstStyle/>
+          <a:p>
+            <a:r>
+              <a:rPr lang="de-DE" dirty="0" err="1"/>
+              <a:t>Gameplay</a:t>
+            </a:r>
+            <a:endParaRPr lang="de-DE" dirty="0"/>
+          </a:p>
+        </p:txBody>
+      </p:sp>
+      <p:sp>
+        <p:nvSpPr>
+          <p:cNvPr id="17" name="Bent-Up Arrow 16">
+            <a:extLst>
+              <a:ext uri="{FF2B5EF4-FFF2-40B4-BE49-F238E27FC236}">
+                <a16:creationId xmlns:a16="http://schemas.microsoft.com/office/drawing/2014/main" id="{AFB19878-0B82-A740-ADE9-BFC65A395D13}"/>
+              </a:ext>
+            </a:extLst>
+          </p:cNvPr>
+          <p:cNvSpPr/>
+          <p:nvPr/>
+        </p:nvSpPr>
+        <p:spPr>
+          <a:xfrm rot="16200000">
+            <a:off x="9231628" y="831568"/>
+            <a:ext cx="592574" cy="2399751"/>
+          </a:xfrm>
+          <a:prstGeom prst="bentUpArrow">
+            <a:avLst/>
+          </a:prstGeom>
+        </p:spPr>
+        <p:style>
+          <a:lnRef idx="2">
+            <a:schemeClr val="accent1">
+              <a:shade val="50000"/>
+            </a:schemeClr>
+          </a:lnRef>
+          <a:fillRef idx="1">
+            <a:schemeClr val="accent1"/>
+          </a:fillRef>
+          <a:effectRef idx="0">
+            <a:schemeClr val="accent1"/>
+          </a:effectRef>
+          <a:fontRef idx="minor">
+            <a:schemeClr val="lt1"/>
+          </a:fontRef>
+        </p:style>
+        <p:txBody>
+          <a:bodyPr rtlCol="0" anchor="ctr"/>
+          <a:lstStyle/>
+          <a:p>
+            <a:pPr algn="ctr"/>
+            <a:endParaRPr lang="de-DE"/>
+          </a:p>
+        </p:txBody>
+      </p:sp>
+      <p:sp>
+        <p:nvSpPr>
+          <p:cNvPr id="18" name="TextBox 17">
+            <a:extLst>
+              <a:ext uri="{FF2B5EF4-FFF2-40B4-BE49-F238E27FC236}">
+                <a16:creationId xmlns:a16="http://schemas.microsoft.com/office/drawing/2014/main" id="{F3BB6BF5-031F-FD4B-998B-DB20D5D72E93}"/>
+              </a:ext>
+            </a:extLst>
+          </p:cNvPr>
+          <p:cNvSpPr txBox="1"/>
+          <p:nvPr/>
+        </p:nvSpPr>
+        <p:spPr>
+          <a:xfrm>
+            <a:off x="9527915" y="4118358"/>
+            <a:ext cx="1053911" cy="369332"/>
+          </a:xfrm>
+          <a:prstGeom prst="rect">
+            <a:avLst/>
+          </a:prstGeom>
+          <a:noFill/>
+          <a:ln>
+            <a:solidFill>
+              <a:schemeClr val="accent1"/>
+            </a:solidFill>
+          </a:ln>
+        </p:spPr>
+        <p:txBody>
+          <a:bodyPr wrap="square" rtlCol="0">
+            <a:spAutoFit/>
+          </a:bodyPr>
+          <a:lstStyle/>
+          <a:p>
+            <a:r>
+              <a:rPr lang="de-DE" dirty="0"/>
+              <a:t>Player 2</a:t>
+            </a:r>
+          </a:p>
+        </p:txBody>
+      </p:sp>
+      <p:sp>
+        <p:nvSpPr>
+          <p:cNvPr id="19" name="Bent-Up Arrow 18">
+            <a:extLst>
+              <a:ext uri="{FF2B5EF4-FFF2-40B4-BE49-F238E27FC236}">
+                <a16:creationId xmlns:a16="http://schemas.microsoft.com/office/drawing/2014/main" id="{4651C9F4-79C8-EC4E-9620-50BB30833CF5}"/>
+              </a:ext>
+            </a:extLst>
+          </p:cNvPr>
+          <p:cNvSpPr/>
+          <p:nvPr/>
+        </p:nvSpPr>
+        <p:spPr>
+          <a:xfrm rot="5400000">
+            <a:off x="6941736" y="2277918"/>
+            <a:ext cx="705087" cy="1869871"/>
+          </a:xfrm>
+          <a:prstGeom prst="bentUpArrow">
+            <a:avLst>
+              <a:gd name="adj1" fmla="val 25000"/>
+              <a:gd name="adj2" fmla="val 22523"/>
+              <a:gd name="adj3" fmla="val 25000"/>
+            </a:avLst>
+          </a:prstGeom>
+        </p:spPr>
+        <p:style>
+          <a:lnRef idx="2">
+            <a:schemeClr val="accent1">
+              <a:shade val="50000"/>
+            </a:schemeClr>
+          </a:lnRef>
+          <a:fillRef idx="1">
+            <a:schemeClr val="accent1"/>
+          </a:fillRef>
+          <a:effectRef idx="0">
+            <a:schemeClr val="accent1"/>
+          </a:effectRef>
+          <a:fontRef idx="minor">
+            <a:schemeClr val="lt1"/>
+          </a:fontRef>
+        </p:style>
+        <p:txBody>
+          <a:bodyPr rtlCol="0" anchor="ctr"/>
+          <a:lstStyle/>
+          <a:p>
+            <a:pPr algn="ctr"/>
+            <a:endParaRPr lang="de-DE"/>
+          </a:p>
+        </p:txBody>
+      </p:sp>
+      <p:cxnSp>
+        <p:nvCxnSpPr>
+          <p:cNvPr id="3" name="Straight Connector 2">
+            <a:extLst>
+              <a:ext uri="{FF2B5EF4-FFF2-40B4-BE49-F238E27FC236}">
+                <a16:creationId xmlns:a16="http://schemas.microsoft.com/office/drawing/2014/main" id="{71C4BD58-FFA1-0B44-BDE2-B95E072366E3}"/>
+              </a:ext>
+            </a:extLst>
+          </p:cNvPr>
+          <p:cNvCxnSpPr>
+            <a:cxnSpLocks/>
+          </p:cNvCxnSpPr>
+          <p:nvPr/>
+        </p:nvCxnSpPr>
+        <p:spPr>
+          <a:xfrm>
+            <a:off x="5195455" y="1832956"/>
+            <a:ext cx="3804876" cy="2761904"/>
+          </a:xfrm>
+          <a:prstGeom prst="line">
+            <a:avLst/>
+          </a:prstGeom>
+          <a:ln w="254000" cap="rnd">
+            <a:solidFill>
+              <a:schemeClr val="accent2"/>
+            </a:solidFill>
+          </a:ln>
+        </p:spPr>
+        <p:style>
+          <a:lnRef idx="1">
+            <a:schemeClr val="accent1"/>
+          </a:lnRef>
+          <a:fillRef idx="0">
+            <a:schemeClr val="accent1"/>
+          </a:fillRef>
+          <a:effectRef idx="0">
+            <a:schemeClr val="accent1"/>
+          </a:effectRef>
+          <a:fontRef idx="minor">
+            <a:schemeClr val="tx1"/>
+          </a:fontRef>
+        </p:style>
+      </p:cxnSp>
+    </p:spTree>
+    <p:extLst>
+      <p:ext uri="{BB962C8B-B14F-4D97-AF65-F5344CB8AC3E}">
+        <p14:creationId xmlns:p14="http://schemas.microsoft.com/office/powerpoint/2010/main" val="65888204"/>
+      </p:ext>
+    </p:extLst>
+  </p:cSld>
+  <p:clrMapOvr>
+    <a:masterClrMapping/>
+  </p:clrMapOvr>
+</p:sld>
+</file>
+
 <file path=ppt/theme/theme1.xml><?xml version="1.0" encoding="utf-8"?>
 <a:theme xmlns:a="http://schemas.openxmlformats.org/drawingml/2006/main" name="Office Theme">
   <a:themeElements>

--- a/abbildungen.pptx
+++ b/abbildungen.pptx
@@ -244,7 +244,7 @@
           <a:p>
             <a:fld id="{0634D24E-BD22-E34C-A3DE-22969B61DDDB}" type="datetimeFigureOut">
               <a:rPr lang="de-DE" smtClean="0"/>
-              <a:t>11.06.19</a:t>
+              <a:t>12.06.19</a:t>
             </a:fld>
             <a:endParaRPr lang="de-DE"/>
           </a:p>
@@ -414,7 +414,7 @@
           <a:p>
             <a:fld id="{0634D24E-BD22-E34C-A3DE-22969B61DDDB}" type="datetimeFigureOut">
               <a:rPr lang="de-DE" smtClean="0"/>
-              <a:t>11.06.19</a:t>
+              <a:t>12.06.19</a:t>
             </a:fld>
             <a:endParaRPr lang="de-DE"/>
           </a:p>
@@ -594,7 +594,7 @@
           <a:p>
             <a:fld id="{0634D24E-BD22-E34C-A3DE-22969B61DDDB}" type="datetimeFigureOut">
               <a:rPr lang="de-DE" smtClean="0"/>
-              <a:t>11.06.19</a:t>
+              <a:t>12.06.19</a:t>
             </a:fld>
             <a:endParaRPr lang="de-DE"/>
           </a:p>
@@ -764,7 +764,7 @@
           <a:p>
             <a:fld id="{0634D24E-BD22-E34C-A3DE-22969B61DDDB}" type="datetimeFigureOut">
               <a:rPr lang="de-DE" smtClean="0"/>
-              <a:t>11.06.19</a:t>
+              <a:t>12.06.19</a:t>
             </a:fld>
             <a:endParaRPr lang="de-DE"/>
           </a:p>
@@ -1010,7 +1010,7 @@
           <a:p>
             <a:fld id="{0634D24E-BD22-E34C-A3DE-22969B61DDDB}" type="datetimeFigureOut">
               <a:rPr lang="de-DE" smtClean="0"/>
-              <a:t>11.06.19</a:t>
+              <a:t>12.06.19</a:t>
             </a:fld>
             <a:endParaRPr lang="de-DE"/>
           </a:p>
@@ -1242,7 +1242,7 @@
           <a:p>
             <a:fld id="{0634D24E-BD22-E34C-A3DE-22969B61DDDB}" type="datetimeFigureOut">
               <a:rPr lang="de-DE" smtClean="0"/>
-              <a:t>11.06.19</a:t>
+              <a:t>12.06.19</a:t>
             </a:fld>
             <a:endParaRPr lang="de-DE"/>
           </a:p>
@@ -1609,7 +1609,7 @@
           <a:p>
             <a:fld id="{0634D24E-BD22-E34C-A3DE-22969B61DDDB}" type="datetimeFigureOut">
               <a:rPr lang="de-DE" smtClean="0"/>
-              <a:t>11.06.19</a:t>
+              <a:t>12.06.19</a:t>
             </a:fld>
             <a:endParaRPr lang="de-DE"/>
           </a:p>
@@ -1727,7 +1727,7 @@
           <a:p>
             <a:fld id="{0634D24E-BD22-E34C-A3DE-22969B61DDDB}" type="datetimeFigureOut">
               <a:rPr lang="de-DE" smtClean="0"/>
-              <a:t>11.06.19</a:t>
+              <a:t>12.06.19</a:t>
             </a:fld>
             <a:endParaRPr lang="de-DE"/>
           </a:p>
@@ -1822,7 +1822,7 @@
           <a:p>
             <a:fld id="{0634D24E-BD22-E34C-A3DE-22969B61DDDB}" type="datetimeFigureOut">
               <a:rPr lang="de-DE" smtClean="0"/>
-              <a:t>11.06.19</a:t>
+              <a:t>12.06.19</a:t>
             </a:fld>
             <a:endParaRPr lang="de-DE"/>
           </a:p>
@@ -2099,7 +2099,7 @@
           <a:p>
             <a:fld id="{0634D24E-BD22-E34C-A3DE-22969B61DDDB}" type="datetimeFigureOut">
               <a:rPr lang="de-DE" smtClean="0"/>
-              <a:t>11.06.19</a:t>
+              <a:t>12.06.19</a:t>
             </a:fld>
             <a:endParaRPr lang="de-DE"/>
           </a:p>
@@ -2356,7 +2356,7 @@
           <a:p>
             <a:fld id="{0634D24E-BD22-E34C-A3DE-22969B61DDDB}" type="datetimeFigureOut">
               <a:rPr lang="de-DE" smtClean="0"/>
-              <a:t>11.06.19</a:t>
+              <a:t>12.06.19</a:t>
             </a:fld>
             <a:endParaRPr lang="de-DE"/>
           </a:p>
@@ -2569,7 +2569,7 @@
           <a:p>
             <a:fld id="{0634D24E-BD22-E34C-A3DE-22969B61DDDB}" type="datetimeFigureOut">
               <a:rPr lang="de-DE" smtClean="0"/>
-              <a:t>11.06.19</a:t>
+              <a:t>12.06.19</a:t>
             </a:fld>
             <a:endParaRPr lang="de-DE"/>
           </a:p>
@@ -4378,58 +4378,169 @@
           <a:chExt cx="0" cy="0"/>
         </a:xfrm>
       </p:grpSpPr>
-      <p:sp>
-        <p:nvSpPr>
-          <p:cNvPr id="20" name="Bent-Up Arrow 19">
+      <p:grpSp>
+        <p:nvGrpSpPr>
+          <p:cNvPr id="2" name="Group 1">
             <a:extLst>
               <a:ext uri="{FF2B5EF4-FFF2-40B4-BE49-F238E27FC236}">
-                <a16:creationId xmlns:a16="http://schemas.microsoft.com/office/drawing/2014/main" id="{28CFAD0B-082C-7F49-B722-67E2926FBE9C}"/>
+                <a16:creationId xmlns:a16="http://schemas.microsoft.com/office/drawing/2014/main" id="{FAFCC69D-2AC6-BB4C-825A-BF0A16A037B5}"/>
               </a:ext>
             </a:extLst>
           </p:cNvPr>
-          <p:cNvSpPr/>
+          <p:cNvGrpSpPr/>
           <p:nvPr/>
-        </p:nvSpPr>
-        <p:spPr>
+        </p:nvGrpSpPr>
+        <p:grpSpPr>
           <a:xfrm>
-            <a:off x="10581826" y="3783206"/>
-            <a:ext cx="1991803" cy="592574"/>
+            <a:off x="6144217" y="2560903"/>
+            <a:ext cx="4941166" cy="745760"/>
+            <a:chOff x="6359344" y="2836426"/>
+            <a:chExt cx="4941166" cy="745760"/>
           </a:xfrm>
-          <a:prstGeom prst="bentUpArrow">
-            <a:avLst/>
-          </a:prstGeom>
-        </p:spPr>
-        <p:style>
-          <a:lnRef idx="2">
-            <a:schemeClr val="accent1">
-              <a:shade val="50000"/>
-            </a:schemeClr>
-          </a:lnRef>
-          <a:fillRef idx="1">
-            <a:schemeClr val="accent1"/>
-          </a:fillRef>
-          <a:effectRef idx="0">
-            <a:schemeClr val="accent1"/>
-          </a:effectRef>
-          <a:fontRef idx="minor">
-            <a:schemeClr val="lt1"/>
-          </a:fontRef>
-        </p:style>
-        <p:txBody>
-          <a:bodyPr rtlCol="0" anchor="ctr"/>
-          <a:lstStyle/>
-          <a:p>
-            <a:pPr algn="ctr"/>
-            <a:endParaRPr lang="de-DE"/>
-          </a:p>
-        </p:txBody>
-      </p:sp>
-      <p:sp>
-        <p:nvSpPr>
-          <p:cNvPr id="8" name="TextBox 7">
+        </p:grpSpPr>
+        <p:sp>
+          <p:nvSpPr>
+            <p:cNvPr id="14" name="Bent-Up Arrow 13">
+              <a:extLst>
+                <a:ext uri="{FF2B5EF4-FFF2-40B4-BE49-F238E27FC236}">
+                  <a16:creationId xmlns:a16="http://schemas.microsoft.com/office/drawing/2014/main" id="{0CDDAB76-6B9A-7149-84A8-8D3BBAF9E37D}"/>
+                </a:ext>
+              </a:extLst>
+            </p:cNvPr>
+            <p:cNvSpPr/>
+            <p:nvPr/>
+          </p:nvSpPr>
+          <p:spPr>
+            <a:xfrm>
+              <a:off x="9308707" y="2836426"/>
+              <a:ext cx="1991803" cy="592574"/>
+            </a:xfrm>
+            <a:prstGeom prst="bentUpArrow">
+              <a:avLst/>
+            </a:prstGeom>
+          </p:spPr>
+          <p:style>
+            <a:lnRef idx="2">
+              <a:schemeClr val="accent1">
+                <a:shade val="50000"/>
+              </a:schemeClr>
+            </a:lnRef>
+            <a:fillRef idx="1">
+              <a:schemeClr val="accent1"/>
+            </a:fillRef>
+            <a:effectRef idx="0">
+              <a:schemeClr val="accent1"/>
+            </a:effectRef>
+            <a:fontRef idx="minor">
+              <a:schemeClr val="lt1"/>
+            </a:fontRef>
+          </p:style>
+          <p:txBody>
+            <a:bodyPr rtlCol="0" anchor="ctr"/>
+            <a:lstStyle/>
+            <a:p>
+              <a:pPr algn="ctr"/>
+              <a:endParaRPr lang="de-DE"/>
+            </a:p>
+          </p:txBody>
+        </p:sp>
+        <p:sp>
+          <p:nvSpPr>
+            <p:cNvPr id="8" name="TextBox 7">
+              <a:extLst>
+                <a:ext uri="{FF2B5EF4-FFF2-40B4-BE49-F238E27FC236}">
+                  <a16:creationId xmlns:a16="http://schemas.microsoft.com/office/drawing/2014/main" id="{AC385018-45AA-6049-989B-69322F412363}"/>
+                </a:ext>
+              </a:extLst>
+            </p:cNvPr>
+            <p:cNvSpPr txBox="1"/>
+            <p:nvPr/>
+          </p:nvSpPr>
+          <p:spPr>
+            <a:xfrm>
+              <a:off x="8254796" y="3212854"/>
+              <a:ext cx="1053911" cy="369332"/>
+            </a:xfrm>
+            <a:prstGeom prst="rect">
+              <a:avLst/>
+            </a:prstGeom>
+            <a:noFill/>
+            <a:ln>
+              <a:solidFill>
+                <a:schemeClr val="accent1"/>
+              </a:solidFill>
+            </a:ln>
+          </p:spPr>
+          <p:txBody>
+            <a:bodyPr wrap="square" rtlCol="0">
+              <a:spAutoFit/>
+            </a:bodyPr>
+            <a:lstStyle/>
+            <a:p>
+              <a:r>
+                <a:rPr lang="de-DE" dirty="0"/>
+                <a:t>Player 1</a:t>
+              </a:r>
+            </a:p>
+          </p:txBody>
+        </p:sp>
+        <p:sp>
+          <p:nvSpPr>
+            <p:cNvPr id="19" name="Bent-Up Arrow 18">
+              <a:extLst>
+                <a:ext uri="{FF2B5EF4-FFF2-40B4-BE49-F238E27FC236}">
+                  <a16:creationId xmlns:a16="http://schemas.microsoft.com/office/drawing/2014/main" id="{4651C9F4-79C8-EC4E-9620-50BB30833CF5}"/>
+                </a:ext>
+              </a:extLst>
+            </p:cNvPr>
+            <p:cNvSpPr/>
+            <p:nvPr/>
+          </p:nvSpPr>
+          <p:spPr>
+            <a:xfrm rot="5400000">
+              <a:off x="6941736" y="2277918"/>
+              <a:ext cx="705087" cy="1869871"/>
+            </a:xfrm>
+            <a:prstGeom prst="bentUpArrow">
+              <a:avLst>
+                <a:gd name="adj1" fmla="val 25000"/>
+                <a:gd name="adj2" fmla="val 22523"/>
+                <a:gd name="adj3" fmla="val 25000"/>
+              </a:avLst>
+            </a:prstGeom>
+          </p:spPr>
+          <p:style>
+            <a:lnRef idx="2">
+              <a:schemeClr val="accent1">
+                <a:shade val="50000"/>
+              </a:schemeClr>
+            </a:lnRef>
+            <a:fillRef idx="1">
+              <a:schemeClr val="accent1"/>
+            </a:fillRef>
+            <a:effectRef idx="0">
+              <a:schemeClr val="accent1"/>
+            </a:effectRef>
+            <a:fontRef idx="minor">
+              <a:schemeClr val="lt1"/>
+            </a:fontRef>
+          </p:style>
+          <p:txBody>
+            <a:bodyPr rtlCol="0" anchor="ctr"/>
+            <a:lstStyle/>
+            <a:p>
+              <a:pPr algn="ctr"/>
+              <a:endParaRPr lang="de-DE"/>
+            </a:p>
+          </p:txBody>
+        </p:sp>
+      </p:grpSp>
+      <p:sp>
+        <p:nvSpPr>
+          <p:cNvPr id="9" name="TextBox 8">
             <a:extLst>
               <a:ext uri="{FF2B5EF4-FFF2-40B4-BE49-F238E27FC236}">
-                <a16:creationId xmlns:a16="http://schemas.microsoft.com/office/drawing/2014/main" id="{AC385018-45AA-6049-989B-69322F412363}"/>
+                <a16:creationId xmlns:a16="http://schemas.microsoft.com/office/drawing/2014/main" id="{6F9991BE-3143-0040-98DF-377A1695CE28}"/>
               </a:ext>
             </a:extLst>
           </p:cNvPr>
@@ -4438,8 +4549,79 @@
         </p:nvSpPr>
         <p:spPr>
           <a:xfrm>
-            <a:off x="8254796" y="3212854"/>
-            <a:ext cx="1053911" cy="369332"/>
+            <a:off x="4320540" y="1257300"/>
+            <a:ext cx="1257300" cy="369332"/>
+          </a:xfrm>
+          <a:prstGeom prst="rect">
+            <a:avLst/>
+          </a:prstGeom>
+          <a:noFill/>
+        </p:spPr>
+        <p:txBody>
+          <a:bodyPr wrap="square" rtlCol="0">
+            <a:spAutoFit/>
+          </a:bodyPr>
+          <a:lstStyle/>
+          <a:p>
+            <a:r>
+              <a:rPr lang="de-DE" dirty="0" err="1"/>
+              <a:t>Commands</a:t>
+            </a:r>
+            <a:endParaRPr lang="de-DE" dirty="0"/>
+          </a:p>
+        </p:txBody>
+      </p:sp>
+      <p:sp>
+        <p:nvSpPr>
+          <p:cNvPr id="10" name="TextBox 9">
+            <a:extLst>
+              <a:ext uri="{FF2B5EF4-FFF2-40B4-BE49-F238E27FC236}">
+                <a16:creationId xmlns:a16="http://schemas.microsoft.com/office/drawing/2014/main" id="{A06DB63D-CB35-4448-B676-1F09F762E9BF}"/>
+              </a:ext>
+            </a:extLst>
+          </p:cNvPr>
+          <p:cNvSpPr txBox="1"/>
+          <p:nvPr/>
+        </p:nvSpPr>
+        <p:spPr>
+          <a:xfrm>
+            <a:off x="9470491" y="1182631"/>
+            <a:ext cx="1257300" cy="369332"/>
+          </a:xfrm>
+          <a:prstGeom prst="rect">
+            <a:avLst/>
+          </a:prstGeom>
+          <a:noFill/>
+        </p:spPr>
+        <p:txBody>
+          <a:bodyPr wrap="square" rtlCol="0">
+            <a:spAutoFit/>
+          </a:bodyPr>
+          <a:lstStyle/>
+          <a:p>
+            <a:r>
+              <a:rPr lang="de-DE" dirty="0"/>
+              <a:t>Events</a:t>
+            </a:r>
+          </a:p>
+        </p:txBody>
+      </p:sp>
+      <p:sp>
+        <p:nvSpPr>
+          <p:cNvPr id="16" name="TextBox 15">
+            <a:extLst>
+              <a:ext uri="{FF2B5EF4-FFF2-40B4-BE49-F238E27FC236}">
+                <a16:creationId xmlns:a16="http://schemas.microsoft.com/office/drawing/2014/main" id="{6D5C6B95-8BF2-DC4A-ABBD-AEBA6A6EC914}"/>
+              </a:ext>
+            </a:extLst>
+          </p:cNvPr>
+          <p:cNvSpPr txBox="1"/>
+          <p:nvPr/>
+        </p:nvSpPr>
+        <p:spPr>
+          <a:xfrm>
+            <a:off x="6971479" y="1693629"/>
+            <a:ext cx="1330860" cy="369332"/>
           </a:xfrm>
           <a:prstGeom prst="rect">
             <a:avLst/>
@@ -4458,179 +4640,484 @@
           <a:lstStyle/>
           <a:p>
             <a:r>
-              <a:rPr lang="de-DE" dirty="0"/>
-              <a:t>Player 1</a:t>
-            </a:r>
-          </a:p>
-        </p:txBody>
-      </p:sp>
-      <p:sp>
-        <p:nvSpPr>
-          <p:cNvPr id="9" name="TextBox 8">
+              <a:rPr lang="de-DE" dirty="0" err="1"/>
+              <a:t>Gameplay</a:t>
+            </a:r>
+            <a:endParaRPr lang="de-DE" dirty="0"/>
+          </a:p>
+        </p:txBody>
+      </p:sp>
+      <p:grpSp>
+        <p:nvGrpSpPr>
+          <p:cNvPr id="29" name="Group 28">
             <a:extLst>
               <a:ext uri="{FF2B5EF4-FFF2-40B4-BE49-F238E27FC236}">
-                <a16:creationId xmlns:a16="http://schemas.microsoft.com/office/drawing/2014/main" id="{6F9991BE-3143-0040-98DF-377A1695CE28}"/>
+                <a16:creationId xmlns:a16="http://schemas.microsoft.com/office/drawing/2014/main" id="{CAE75FCF-0998-AD45-A5CB-6AA4FFB44D7B}"/>
               </a:ext>
             </a:extLst>
           </p:cNvPr>
-          <p:cNvSpPr txBox="1"/>
+          <p:cNvGrpSpPr/>
           <p:nvPr/>
-        </p:nvSpPr>
-        <p:spPr>
+        </p:nvGrpSpPr>
+        <p:grpSpPr>
           <a:xfrm>
-            <a:off x="4320540" y="1257300"/>
-            <a:ext cx="1257300" cy="369332"/>
+            <a:off x="6642315" y="2942199"/>
+            <a:ext cx="4941166" cy="745760"/>
+            <a:chOff x="6359344" y="2836426"/>
+            <a:chExt cx="4941166" cy="745760"/>
           </a:xfrm>
-          <a:prstGeom prst="rect">
-            <a:avLst/>
-          </a:prstGeom>
-          <a:noFill/>
-        </p:spPr>
-        <p:txBody>
-          <a:bodyPr wrap="square" rtlCol="0">
-            <a:spAutoFit/>
-          </a:bodyPr>
-          <a:lstStyle/>
-          <a:p>
-            <a:r>
-              <a:rPr lang="de-DE" dirty="0" err="1"/>
-              <a:t>Commands</a:t>
-            </a:r>
-            <a:endParaRPr lang="de-DE" dirty="0"/>
-          </a:p>
-        </p:txBody>
-      </p:sp>
-      <p:sp>
-        <p:nvSpPr>
-          <p:cNvPr id="10" name="TextBox 9">
+        </p:grpSpPr>
+        <p:sp>
+          <p:nvSpPr>
+            <p:cNvPr id="32" name="Bent-Up Arrow 31">
+              <a:extLst>
+                <a:ext uri="{FF2B5EF4-FFF2-40B4-BE49-F238E27FC236}">
+                  <a16:creationId xmlns:a16="http://schemas.microsoft.com/office/drawing/2014/main" id="{DE258BA1-EB44-014A-8816-112574393CCE}"/>
+                </a:ext>
+              </a:extLst>
+            </p:cNvPr>
+            <p:cNvSpPr/>
+            <p:nvPr/>
+          </p:nvSpPr>
+          <p:spPr>
+            <a:xfrm rot="5400000">
+              <a:off x="6941736" y="2277918"/>
+              <a:ext cx="705087" cy="1869871"/>
+            </a:xfrm>
+            <a:prstGeom prst="bentUpArrow">
+              <a:avLst>
+                <a:gd name="adj1" fmla="val 25000"/>
+                <a:gd name="adj2" fmla="val 22523"/>
+                <a:gd name="adj3" fmla="val 25000"/>
+              </a:avLst>
+            </a:prstGeom>
+          </p:spPr>
+          <p:style>
+            <a:lnRef idx="2">
+              <a:schemeClr val="accent1">
+                <a:shade val="50000"/>
+              </a:schemeClr>
+            </a:lnRef>
+            <a:fillRef idx="1">
+              <a:schemeClr val="accent1"/>
+            </a:fillRef>
+            <a:effectRef idx="0">
+              <a:schemeClr val="accent1"/>
+            </a:effectRef>
+            <a:fontRef idx="minor">
+              <a:schemeClr val="lt1"/>
+            </a:fontRef>
+          </p:style>
+          <p:txBody>
+            <a:bodyPr rtlCol="0" anchor="ctr"/>
+            <a:lstStyle/>
+            <a:p>
+              <a:pPr algn="ctr"/>
+              <a:endParaRPr lang="de-DE"/>
+            </a:p>
+          </p:txBody>
+        </p:sp>
+        <p:sp>
+          <p:nvSpPr>
+            <p:cNvPr id="30" name="Bent-Up Arrow 29">
+              <a:extLst>
+                <a:ext uri="{FF2B5EF4-FFF2-40B4-BE49-F238E27FC236}">
+                  <a16:creationId xmlns:a16="http://schemas.microsoft.com/office/drawing/2014/main" id="{B12F7739-3127-894C-BD31-6FFC76D1EDEE}"/>
+                </a:ext>
+              </a:extLst>
+            </p:cNvPr>
+            <p:cNvSpPr/>
+            <p:nvPr/>
+          </p:nvSpPr>
+          <p:spPr>
+            <a:xfrm>
+              <a:off x="9308707" y="2836426"/>
+              <a:ext cx="1991803" cy="592574"/>
+            </a:xfrm>
+            <a:prstGeom prst="bentUpArrow">
+              <a:avLst/>
+            </a:prstGeom>
+          </p:spPr>
+          <p:style>
+            <a:lnRef idx="2">
+              <a:schemeClr val="accent1">
+                <a:shade val="50000"/>
+              </a:schemeClr>
+            </a:lnRef>
+            <a:fillRef idx="1">
+              <a:schemeClr val="accent1"/>
+            </a:fillRef>
+            <a:effectRef idx="0">
+              <a:schemeClr val="accent1"/>
+            </a:effectRef>
+            <a:fontRef idx="minor">
+              <a:schemeClr val="lt1"/>
+            </a:fontRef>
+          </p:style>
+          <p:txBody>
+            <a:bodyPr rtlCol="0" anchor="ctr"/>
+            <a:lstStyle/>
+            <a:p>
+              <a:pPr algn="ctr"/>
+              <a:endParaRPr lang="de-DE"/>
+            </a:p>
+          </p:txBody>
+        </p:sp>
+        <p:sp>
+          <p:nvSpPr>
+            <p:cNvPr id="31" name="TextBox 30">
+              <a:extLst>
+                <a:ext uri="{FF2B5EF4-FFF2-40B4-BE49-F238E27FC236}">
+                  <a16:creationId xmlns:a16="http://schemas.microsoft.com/office/drawing/2014/main" id="{CC431D67-AF01-D84B-B00F-FA4EC39AFF8F}"/>
+                </a:ext>
+              </a:extLst>
+            </p:cNvPr>
+            <p:cNvSpPr txBox="1"/>
+            <p:nvPr/>
+          </p:nvSpPr>
+          <p:spPr>
+            <a:xfrm>
+              <a:off x="8254796" y="3212854"/>
+              <a:ext cx="1053911" cy="369332"/>
+            </a:xfrm>
+            <a:prstGeom prst="rect">
+              <a:avLst/>
+            </a:prstGeom>
+            <a:noFill/>
+            <a:ln>
+              <a:solidFill>
+                <a:schemeClr val="accent1"/>
+              </a:solidFill>
+            </a:ln>
+          </p:spPr>
+          <p:txBody>
+            <a:bodyPr wrap="square" rtlCol="0">
+              <a:spAutoFit/>
+            </a:bodyPr>
+            <a:lstStyle/>
+            <a:p>
+              <a:r>
+                <a:rPr lang="de-DE" dirty="0"/>
+                <a:t>Player 2</a:t>
+              </a:r>
+            </a:p>
+          </p:txBody>
+        </p:sp>
+      </p:grpSp>
+      <p:grpSp>
+        <p:nvGrpSpPr>
+          <p:cNvPr id="33" name="Group 32">
             <a:extLst>
               <a:ext uri="{FF2B5EF4-FFF2-40B4-BE49-F238E27FC236}">
-                <a16:creationId xmlns:a16="http://schemas.microsoft.com/office/drawing/2014/main" id="{A06DB63D-CB35-4448-B676-1F09F762E9BF}"/>
+                <a16:creationId xmlns:a16="http://schemas.microsoft.com/office/drawing/2014/main" id="{258650C3-B5BD-6841-B82C-69D513A1A3FA}"/>
               </a:ext>
             </a:extLst>
           </p:cNvPr>
-          <p:cNvSpPr txBox="1"/>
+          <p:cNvGrpSpPr/>
           <p:nvPr/>
-        </p:nvSpPr>
-        <p:spPr>
+        </p:nvGrpSpPr>
+        <p:grpSpPr>
           <a:xfrm>
-            <a:off x="9470491" y="1182631"/>
-            <a:ext cx="1257300" cy="369332"/>
+            <a:off x="7140413" y="3323495"/>
+            <a:ext cx="4941166" cy="745760"/>
+            <a:chOff x="6359344" y="2836426"/>
+            <a:chExt cx="4941166" cy="745760"/>
           </a:xfrm>
-          <a:prstGeom prst="rect">
-            <a:avLst/>
-          </a:prstGeom>
-          <a:noFill/>
-        </p:spPr>
-        <p:txBody>
-          <a:bodyPr wrap="square" rtlCol="0">
-            <a:spAutoFit/>
-          </a:bodyPr>
-          <a:lstStyle/>
-          <a:p>
-            <a:r>
-              <a:rPr lang="de-DE" dirty="0"/>
-              <a:t>Events</a:t>
-            </a:r>
-          </a:p>
-        </p:txBody>
-      </p:sp>
-      <p:sp>
-        <p:nvSpPr>
-          <p:cNvPr id="13" name="Bent-Up Arrow 12">
+        </p:grpSpPr>
+        <p:sp>
+          <p:nvSpPr>
+            <p:cNvPr id="34" name="Bent-Up Arrow 33">
+              <a:extLst>
+                <a:ext uri="{FF2B5EF4-FFF2-40B4-BE49-F238E27FC236}">
+                  <a16:creationId xmlns:a16="http://schemas.microsoft.com/office/drawing/2014/main" id="{E9E73DC0-C76F-484E-AE00-F3A18B608D18}"/>
+                </a:ext>
+              </a:extLst>
+            </p:cNvPr>
+            <p:cNvSpPr/>
+            <p:nvPr/>
+          </p:nvSpPr>
+          <p:spPr>
+            <a:xfrm>
+              <a:off x="9308707" y="2836426"/>
+              <a:ext cx="1991803" cy="592574"/>
+            </a:xfrm>
+            <a:prstGeom prst="bentUpArrow">
+              <a:avLst/>
+            </a:prstGeom>
+          </p:spPr>
+          <p:style>
+            <a:lnRef idx="2">
+              <a:schemeClr val="accent1">
+                <a:shade val="50000"/>
+              </a:schemeClr>
+            </a:lnRef>
+            <a:fillRef idx="1">
+              <a:schemeClr val="accent1"/>
+            </a:fillRef>
+            <a:effectRef idx="0">
+              <a:schemeClr val="accent1"/>
+            </a:effectRef>
+            <a:fontRef idx="minor">
+              <a:schemeClr val="lt1"/>
+            </a:fontRef>
+          </p:style>
+          <p:txBody>
+            <a:bodyPr rtlCol="0" anchor="ctr"/>
+            <a:lstStyle/>
+            <a:p>
+              <a:pPr algn="ctr"/>
+              <a:endParaRPr lang="de-DE"/>
+            </a:p>
+          </p:txBody>
+        </p:sp>
+        <p:sp>
+          <p:nvSpPr>
+            <p:cNvPr id="35" name="TextBox 34">
+              <a:extLst>
+                <a:ext uri="{FF2B5EF4-FFF2-40B4-BE49-F238E27FC236}">
+                  <a16:creationId xmlns:a16="http://schemas.microsoft.com/office/drawing/2014/main" id="{2C05D9D4-E373-9E4F-9281-201FAD4E215C}"/>
+                </a:ext>
+              </a:extLst>
+            </p:cNvPr>
+            <p:cNvSpPr txBox="1"/>
+            <p:nvPr/>
+          </p:nvSpPr>
+          <p:spPr>
+            <a:xfrm>
+              <a:off x="8254796" y="3212854"/>
+              <a:ext cx="1053911" cy="369332"/>
+            </a:xfrm>
+            <a:prstGeom prst="rect">
+              <a:avLst/>
+            </a:prstGeom>
+            <a:noFill/>
+            <a:ln>
+              <a:solidFill>
+                <a:schemeClr val="accent1"/>
+              </a:solidFill>
+            </a:ln>
+          </p:spPr>
+          <p:txBody>
+            <a:bodyPr wrap="square" rtlCol="0">
+              <a:spAutoFit/>
+            </a:bodyPr>
+            <a:lstStyle/>
+            <a:p>
+              <a:r>
+                <a:rPr lang="de-DE" dirty="0"/>
+                <a:t>Player 3</a:t>
+              </a:r>
+            </a:p>
+          </p:txBody>
+        </p:sp>
+        <p:sp>
+          <p:nvSpPr>
+            <p:cNvPr id="36" name="Bent-Up Arrow 35">
+              <a:extLst>
+                <a:ext uri="{FF2B5EF4-FFF2-40B4-BE49-F238E27FC236}">
+                  <a16:creationId xmlns:a16="http://schemas.microsoft.com/office/drawing/2014/main" id="{000ABA35-B6C5-1340-B7BC-82D8997AF323}"/>
+                </a:ext>
+              </a:extLst>
+            </p:cNvPr>
+            <p:cNvSpPr/>
+            <p:nvPr/>
+          </p:nvSpPr>
+          <p:spPr>
+            <a:xfrm rot="5400000">
+              <a:off x="6941736" y="2277918"/>
+              <a:ext cx="705087" cy="1869871"/>
+            </a:xfrm>
+            <a:prstGeom prst="bentUpArrow">
+              <a:avLst>
+                <a:gd name="adj1" fmla="val 25000"/>
+                <a:gd name="adj2" fmla="val 22523"/>
+                <a:gd name="adj3" fmla="val 25000"/>
+              </a:avLst>
+            </a:prstGeom>
+          </p:spPr>
+          <p:style>
+            <a:lnRef idx="2">
+              <a:schemeClr val="accent1">
+                <a:shade val="50000"/>
+              </a:schemeClr>
+            </a:lnRef>
+            <a:fillRef idx="1">
+              <a:schemeClr val="accent1"/>
+            </a:fillRef>
+            <a:effectRef idx="0">
+              <a:schemeClr val="accent1"/>
+            </a:effectRef>
+            <a:fontRef idx="minor">
+              <a:schemeClr val="lt1"/>
+            </a:fontRef>
+          </p:style>
+          <p:txBody>
+            <a:bodyPr rtlCol="0" anchor="ctr"/>
+            <a:lstStyle/>
+            <a:p>
+              <a:pPr algn="ctr"/>
+              <a:endParaRPr lang="de-DE"/>
+            </a:p>
+          </p:txBody>
+        </p:sp>
+      </p:grpSp>
+      <p:grpSp>
+        <p:nvGrpSpPr>
+          <p:cNvPr id="37" name="Group 36">
             <a:extLst>
               <a:ext uri="{FF2B5EF4-FFF2-40B4-BE49-F238E27FC236}">
-                <a16:creationId xmlns:a16="http://schemas.microsoft.com/office/drawing/2014/main" id="{85829908-A83C-ED4A-92BE-90161B67F786}"/>
+                <a16:creationId xmlns:a16="http://schemas.microsoft.com/office/drawing/2014/main" id="{B61124DD-68B8-CD47-B1BF-CFA0B8E8DF36}"/>
               </a:ext>
             </a:extLst>
           </p:cNvPr>
-          <p:cNvSpPr/>
+          <p:cNvGrpSpPr/>
           <p:nvPr/>
-        </p:nvSpPr>
-        <p:spPr>
-          <a:xfrm rot="5400000">
-            <a:off x="8262257" y="3186722"/>
-            <a:ext cx="705087" cy="1869871"/>
+        </p:nvGrpSpPr>
+        <p:grpSpPr>
+          <a:xfrm>
+            <a:off x="7638511" y="3704791"/>
+            <a:ext cx="4941166" cy="745760"/>
+            <a:chOff x="6359344" y="2836426"/>
+            <a:chExt cx="4941166" cy="745760"/>
           </a:xfrm>
-          <a:prstGeom prst="bentUpArrow">
-            <a:avLst>
-              <a:gd name="adj1" fmla="val 25000"/>
-              <a:gd name="adj2" fmla="val 22523"/>
-              <a:gd name="adj3" fmla="val 25000"/>
-            </a:avLst>
-          </a:prstGeom>
-        </p:spPr>
-        <p:style>
-          <a:lnRef idx="2">
-            <a:schemeClr val="accent1">
-              <a:shade val="50000"/>
-            </a:schemeClr>
-          </a:lnRef>
-          <a:fillRef idx="1">
-            <a:schemeClr val="accent1"/>
-          </a:fillRef>
-          <a:effectRef idx="0">
-            <a:schemeClr val="accent1"/>
-          </a:effectRef>
-          <a:fontRef idx="minor">
-            <a:schemeClr val="lt1"/>
-          </a:fontRef>
-        </p:style>
-        <p:txBody>
-          <a:bodyPr rtlCol="0" anchor="ctr"/>
-          <a:lstStyle/>
-          <a:p>
-            <a:pPr algn="ctr"/>
-            <a:endParaRPr lang="de-DE"/>
-          </a:p>
-        </p:txBody>
-      </p:sp>
-      <p:sp>
-        <p:nvSpPr>
-          <p:cNvPr id="14" name="Bent-Up Arrow 13">
-            <a:extLst>
-              <a:ext uri="{FF2B5EF4-FFF2-40B4-BE49-F238E27FC236}">
-                <a16:creationId xmlns:a16="http://schemas.microsoft.com/office/drawing/2014/main" id="{0CDDAB76-6B9A-7149-84A8-8D3BBAF9E37D}"/>
-              </a:ext>
-            </a:extLst>
-          </p:cNvPr>
-          <p:cNvSpPr/>
-          <p:nvPr/>
-        </p:nvSpPr>
-        <p:spPr>
-          <a:xfrm>
-            <a:off x="9308707" y="2836426"/>
-            <a:ext cx="1991803" cy="592574"/>
-          </a:xfrm>
-          <a:prstGeom prst="bentUpArrow">
-            <a:avLst/>
-          </a:prstGeom>
-        </p:spPr>
-        <p:style>
-          <a:lnRef idx="2">
-            <a:schemeClr val="accent1">
-              <a:shade val="50000"/>
-            </a:schemeClr>
-          </a:lnRef>
-          <a:fillRef idx="1">
-            <a:schemeClr val="accent1"/>
-          </a:fillRef>
-          <a:effectRef idx="0">
-            <a:schemeClr val="accent1"/>
-          </a:effectRef>
-          <a:fontRef idx="minor">
-            <a:schemeClr val="lt1"/>
-          </a:fontRef>
-        </p:style>
-        <p:txBody>
-          <a:bodyPr rtlCol="0" anchor="ctr"/>
-          <a:lstStyle/>
-          <a:p>
-            <a:pPr algn="ctr"/>
-            <a:endParaRPr lang="de-DE"/>
-          </a:p>
-        </p:txBody>
-      </p:sp>
+        </p:grpSpPr>
+        <p:sp>
+          <p:nvSpPr>
+            <p:cNvPr id="38" name="Bent-Up Arrow 37">
+              <a:extLst>
+                <a:ext uri="{FF2B5EF4-FFF2-40B4-BE49-F238E27FC236}">
+                  <a16:creationId xmlns:a16="http://schemas.microsoft.com/office/drawing/2014/main" id="{26BEC082-608C-0E46-B7EF-FD61741848CD}"/>
+                </a:ext>
+              </a:extLst>
+            </p:cNvPr>
+            <p:cNvSpPr/>
+            <p:nvPr/>
+          </p:nvSpPr>
+          <p:spPr>
+            <a:xfrm>
+              <a:off x="9308707" y="2836426"/>
+              <a:ext cx="1991803" cy="592574"/>
+            </a:xfrm>
+            <a:prstGeom prst="bentUpArrow">
+              <a:avLst/>
+            </a:prstGeom>
+          </p:spPr>
+          <p:style>
+            <a:lnRef idx="2">
+              <a:schemeClr val="accent1">
+                <a:shade val="50000"/>
+              </a:schemeClr>
+            </a:lnRef>
+            <a:fillRef idx="1">
+              <a:schemeClr val="accent1"/>
+            </a:fillRef>
+            <a:effectRef idx="0">
+              <a:schemeClr val="accent1"/>
+            </a:effectRef>
+            <a:fontRef idx="minor">
+              <a:schemeClr val="lt1"/>
+            </a:fontRef>
+          </p:style>
+          <p:txBody>
+            <a:bodyPr rtlCol="0" anchor="ctr"/>
+            <a:lstStyle/>
+            <a:p>
+              <a:pPr algn="ctr"/>
+              <a:endParaRPr lang="de-DE"/>
+            </a:p>
+          </p:txBody>
+        </p:sp>
+        <p:sp>
+          <p:nvSpPr>
+            <p:cNvPr id="39" name="TextBox 38">
+              <a:extLst>
+                <a:ext uri="{FF2B5EF4-FFF2-40B4-BE49-F238E27FC236}">
+                  <a16:creationId xmlns:a16="http://schemas.microsoft.com/office/drawing/2014/main" id="{F1AA77D6-FE34-544B-9B17-73F07AEFC955}"/>
+                </a:ext>
+              </a:extLst>
+            </p:cNvPr>
+            <p:cNvSpPr txBox="1"/>
+            <p:nvPr/>
+          </p:nvSpPr>
+          <p:spPr>
+            <a:xfrm>
+              <a:off x="8254796" y="3212854"/>
+              <a:ext cx="1053911" cy="369332"/>
+            </a:xfrm>
+            <a:prstGeom prst="rect">
+              <a:avLst/>
+            </a:prstGeom>
+            <a:noFill/>
+            <a:ln>
+              <a:solidFill>
+                <a:schemeClr val="accent1"/>
+              </a:solidFill>
+            </a:ln>
+          </p:spPr>
+          <p:txBody>
+            <a:bodyPr wrap="square" rtlCol="0">
+              <a:spAutoFit/>
+            </a:bodyPr>
+            <a:lstStyle/>
+            <a:p>
+              <a:r>
+                <a:rPr lang="de-DE" dirty="0"/>
+                <a:t>Player 4</a:t>
+              </a:r>
+            </a:p>
+          </p:txBody>
+        </p:sp>
+        <p:sp>
+          <p:nvSpPr>
+            <p:cNvPr id="40" name="Bent-Up Arrow 39">
+              <a:extLst>
+                <a:ext uri="{FF2B5EF4-FFF2-40B4-BE49-F238E27FC236}">
+                  <a16:creationId xmlns:a16="http://schemas.microsoft.com/office/drawing/2014/main" id="{F95C4ADF-4802-BF46-B391-11134629612A}"/>
+                </a:ext>
+              </a:extLst>
+            </p:cNvPr>
+            <p:cNvSpPr/>
+            <p:nvPr/>
+          </p:nvSpPr>
+          <p:spPr>
+            <a:xfrm rot="5400000">
+              <a:off x="6941736" y="2277918"/>
+              <a:ext cx="705087" cy="1869871"/>
+            </a:xfrm>
+            <a:prstGeom prst="bentUpArrow">
+              <a:avLst>
+                <a:gd name="adj1" fmla="val 25000"/>
+                <a:gd name="adj2" fmla="val 22523"/>
+                <a:gd name="adj3" fmla="val 25000"/>
+              </a:avLst>
+            </a:prstGeom>
+          </p:spPr>
+          <p:style>
+            <a:lnRef idx="2">
+              <a:schemeClr val="accent1">
+                <a:shade val="50000"/>
+              </a:schemeClr>
+            </a:lnRef>
+            <a:fillRef idx="1">
+              <a:schemeClr val="accent1"/>
+            </a:fillRef>
+            <a:effectRef idx="0">
+              <a:schemeClr val="accent1"/>
+            </a:effectRef>
+            <a:fontRef idx="minor">
+              <a:schemeClr val="lt1"/>
+            </a:fontRef>
+          </p:style>
+          <p:txBody>
+            <a:bodyPr rtlCol="0" anchor="ctr"/>
+            <a:lstStyle/>
+            <a:p>
+              <a:pPr algn="ctr"/>
+              <a:endParaRPr lang="de-DE"/>
+            </a:p>
+          </p:txBody>
+        </p:sp>
+      </p:grpSp>
       <p:cxnSp>
         <p:nvCxnSpPr>
           <p:cNvPr id="4" name="Straight Connector 3">
@@ -4676,93 +5163,6 @@
       </p:cxnSp>
       <p:sp>
         <p:nvSpPr>
-          <p:cNvPr id="15" name="Bent-Up Arrow 14">
-            <a:extLst>
-              <a:ext uri="{FF2B5EF4-FFF2-40B4-BE49-F238E27FC236}">
-                <a16:creationId xmlns:a16="http://schemas.microsoft.com/office/drawing/2014/main" id="{AB96D3D8-B6C4-8E4F-9E72-D90D2A8E0C3A}"/>
-              </a:ext>
-            </a:extLst>
-          </p:cNvPr>
-          <p:cNvSpPr/>
-          <p:nvPr/>
-        </p:nvSpPr>
-        <p:spPr>
-          <a:xfrm rot="10800000">
-            <a:off x="5783580" y="1851659"/>
-            <a:ext cx="1143000" cy="502920"/>
-          </a:xfrm>
-          <a:prstGeom prst="bentUpArrow">
-            <a:avLst/>
-          </a:prstGeom>
-        </p:spPr>
-        <p:style>
-          <a:lnRef idx="2">
-            <a:schemeClr val="accent1">
-              <a:shade val="50000"/>
-            </a:schemeClr>
-          </a:lnRef>
-          <a:fillRef idx="1">
-            <a:schemeClr val="accent1"/>
-          </a:fillRef>
-          <a:effectRef idx="0">
-            <a:schemeClr val="accent1"/>
-          </a:effectRef>
-          <a:fontRef idx="minor">
-            <a:schemeClr val="lt1"/>
-          </a:fontRef>
-        </p:style>
-        <p:txBody>
-          <a:bodyPr rtlCol="0" anchor="ctr"/>
-          <a:lstStyle/>
-          <a:p>
-            <a:pPr algn="ctr"/>
-            <a:endParaRPr lang="de-DE"/>
-          </a:p>
-        </p:txBody>
-      </p:sp>
-      <p:sp>
-        <p:nvSpPr>
-          <p:cNvPr id="16" name="TextBox 15">
-            <a:extLst>
-              <a:ext uri="{FF2B5EF4-FFF2-40B4-BE49-F238E27FC236}">
-                <a16:creationId xmlns:a16="http://schemas.microsoft.com/office/drawing/2014/main" id="{6D5C6B95-8BF2-DC4A-ABBD-AEBA6A6EC914}"/>
-              </a:ext>
-            </a:extLst>
-          </p:cNvPr>
-          <p:cNvSpPr txBox="1"/>
-          <p:nvPr/>
-        </p:nvSpPr>
-        <p:spPr>
-          <a:xfrm>
-            <a:off x="6971479" y="1693629"/>
-            <a:ext cx="1330860" cy="369332"/>
-          </a:xfrm>
-          <a:prstGeom prst="rect">
-            <a:avLst/>
-          </a:prstGeom>
-          <a:noFill/>
-          <a:ln>
-            <a:solidFill>
-              <a:schemeClr val="accent1"/>
-            </a:solidFill>
-          </a:ln>
-        </p:spPr>
-        <p:txBody>
-          <a:bodyPr wrap="square" rtlCol="0">
-            <a:spAutoFit/>
-          </a:bodyPr>
-          <a:lstStyle/>
-          <a:p>
-            <a:r>
-              <a:rPr lang="de-DE" dirty="0" err="1"/>
-              <a:t>Gameplay</a:t>
-            </a:r>
-            <a:endParaRPr lang="de-DE" dirty="0"/>
-          </a:p>
-        </p:txBody>
-      </p:sp>
-      <p:sp>
-        <p:nvSpPr>
           <p:cNvPr id="17" name="Bent-Up Arrow 16">
             <a:extLst>
               <a:ext uri="{FF2B5EF4-FFF2-40B4-BE49-F238E27FC236}">
@@ -4780,96 +5180,6 @@
           </a:xfrm>
           <a:prstGeom prst="bentUpArrow">
             <a:avLst/>
-          </a:prstGeom>
-        </p:spPr>
-        <p:style>
-          <a:lnRef idx="2">
-            <a:schemeClr val="accent1">
-              <a:shade val="50000"/>
-            </a:schemeClr>
-          </a:lnRef>
-          <a:fillRef idx="1">
-            <a:schemeClr val="accent1"/>
-          </a:fillRef>
-          <a:effectRef idx="0">
-            <a:schemeClr val="accent1"/>
-          </a:effectRef>
-          <a:fontRef idx="minor">
-            <a:schemeClr val="lt1"/>
-          </a:fontRef>
-        </p:style>
-        <p:txBody>
-          <a:bodyPr rtlCol="0" anchor="ctr"/>
-          <a:lstStyle/>
-          <a:p>
-            <a:pPr algn="ctr"/>
-            <a:endParaRPr lang="de-DE"/>
-          </a:p>
-        </p:txBody>
-      </p:sp>
-      <p:sp>
-        <p:nvSpPr>
-          <p:cNvPr id="18" name="TextBox 17">
-            <a:extLst>
-              <a:ext uri="{FF2B5EF4-FFF2-40B4-BE49-F238E27FC236}">
-                <a16:creationId xmlns:a16="http://schemas.microsoft.com/office/drawing/2014/main" id="{F3BB6BF5-031F-FD4B-998B-DB20D5D72E93}"/>
-              </a:ext>
-            </a:extLst>
-          </p:cNvPr>
-          <p:cNvSpPr txBox="1"/>
-          <p:nvPr/>
-        </p:nvSpPr>
-        <p:spPr>
-          <a:xfrm>
-            <a:off x="9527915" y="4118358"/>
-            <a:ext cx="1053911" cy="369332"/>
-          </a:xfrm>
-          <a:prstGeom prst="rect">
-            <a:avLst/>
-          </a:prstGeom>
-          <a:noFill/>
-          <a:ln>
-            <a:solidFill>
-              <a:schemeClr val="accent1"/>
-            </a:solidFill>
-          </a:ln>
-        </p:spPr>
-        <p:txBody>
-          <a:bodyPr wrap="square" rtlCol="0">
-            <a:spAutoFit/>
-          </a:bodyPr>
-          <a:lstStyle/>
-          <a:p>
-            <a:r>
-              <a:rPr lang="de-DE" dirty="0"/>
-              <a:t>Player 2</a:t>
-            </a:r>
-          </a:p>
-        </p:txBody>
-      </p:sp>
-      <p:sp>
-        <p:nvSpPr>
-          <p:cNvPr id="19" name="Bent-Up Arrow 18">
-            <a:extLst>
-              <a:ext uri="{FF2B5EF4-FFF2-40B4-BE49-F238E27FC236}">
-                <a16:creationId xmlns:a16="http://schemas.microsoft.com/office/drawing/2014/main" id="{4651C9F4-79C8-EC4E-9620-50BB30833CF5}"/>
-              </a:ext>
-            </a:extLst>
-          </p:cNvPr>
-          <p:cNvSpPr/>
-          <p:nvPr/>
-        </p:nvSpPr>
-        <p:spPr>
-          <a:xfrm rot="5400000">
-            <a:off x="6941736" y="2277918"/>
-            <a:ext cx="705087" cy="1869871"/>
-          </a:xfrm>
-          <a:prstGeom prst="bentUpArrow">
-            <a:avLst>
-              <a:gd name="adj1" fmla="val 25000"/>
-              <a:gd name="adj2" fmla="val 22523"/>
-              <a:gd name="adj3" fmla="val 25000"/>
-            </a:avLst>
           </a:prstGeom>
         </p:spPr>
         <p:style>
@@ -4940,6 +5250,52 @@
           </a:fontRef>
         </p:style>
       </p:cxnSp>
+      <p:sp>
+        <p:nvSpPr>
+          <p:cNvPr id="15" name="Bent-Up Arrow 14">
+            <a:extLst>
+              <a:ext uri="{FF2B5EF4-FFF2-40B4-BE49-F238E27FC236}">
+                <a16:creationId xmlns:a16="http://schemas.microsoft.com/office/drawing/2014/main" id="{AB96D3D8-B6C4-8E4F-9E72-D90D2A8E0C3A}"/>
+              </a:ext>
+            </a:extLst>
+          </p:cNvPr>
+          <p:cNvSpPr/>
+          <p:nvPr/>
+        </p:nvSpPr>
+        <p:spPr>
+          <a:xfrm rot="10800000">
+            <a:off x="5783580" y="1851659"/>
+            <a:ext cx="1143000" cy="502920"/>
+          </a:xfrm>
+          <a:prstGeom prst="bentUpArrow">
+            <a:avLst/>
+          </a:prstGeom>
+        </p:spPr>
+        <p:style>
+          <a:lnRef idx="2">
+            <a:schemeClr val="accent1">
+              <a:shade val="50000"/>
+            </a:schemeClr>
+          </a:lnRef>
+          <a:fillRef idx="1">
+            <a:schemeClr val="accent1"/>
+          </a:fillRef>
+          <a:effectRef idx="0">
+            <a:schemeClr val="accent1"/>
+          </a:effectRef>
+          <a:fontRef idx="minor">
+            <a:schemeClr val="lt1"/>
+          </a:fontRef>
+        </p:style>
+        <p:txBody>
+          <a:bodyPr rtlCol="0" anchor="ctr"/>
+          <a:lstStyle/>
+          <a:p>
+            <a:pPr algn="ctr"/>
+            <a:endParaRPr lang="de-DE"/>
+          </a:p>
+        </p:txBody>
+      </p:sp>
     </p:spTree>
     <p:extLst>
       <p:ext uri="{BB962C8B-B14F-4D97-AF65-F5344CB8AC3E}">

--- a/abbildungen.pptx
+++ b/abbildungen.pptx
@@ -244,7 +244,7 @@
           <a:p>
             <a:fld id="{0634D24E-BD22-E34C-A3DE-22969B61DDDB}" type="datetimeFigureOut">
               <a:rPr lang="de-DE" smtClean="0"/>
-              <a:t>12.06.19</a:t>
+              <a:t>13.06.19</a:t>
             </a:fld>
             <a:endParaRPr lang="de-DE"/>
           </a:p>
@@ -414,7 +414,7 @@
           <a:p>
             <a:fld id="{0634D24E-BD22-E34C-A3DE-22969B61DDDB}" type="datetimeFigureOut">
               <a:rPr lang="de-DE" smtClean="0"/>
-              <a:t>12.06.19</a:t>
+              <a:t>13.06.19</a:t>
             </a:fld>
             <a:endParaRPr lang="de-DE"/>
           </a:p>
@@ -594,7 +594,7 @@
           <a:p>
             <a:fld id="{0634D24E-BD22-E34C-A3DE-22969B61DDDB}" type="datetimeFigureOut">
               <a:rPr lang="de-DE" smtClean="0"/>
-              <a:t>12.06.19</a:t>
+              <a:t>13.06.19</a:t>
             </a:fld>
             <a:endParaRPr lang="de-DE"/>
           </a:p>
@@ -764,7 +764,7 @@
           <a:p>
             <a:fld id="{0634D24E-BD22-E34C-A3DE-22969B61DDDB}" type="datetimeFigureOut">
               <a:rPr lang="de-DE" smtClean="0"/>
-              <a:t>12.06.19</a:t>
+              <a:t>13.06.19</a:t>
             </a:fld>
             <a:endParaRPr lang="de-DE"/>
           </a:p>
@@ -1010,7 +1010,7 @@
           <a:p>
             <a:fld id="{0634D24E-BD22-E34C-A3DE-22969B61DDDB}" type="datetimeFigureOut">
               <a:rPr lang="de-DE" smtClean="0"/>
-              <a:t>12.06.19</a:t>
+              <a:t>13.06.19</a:t>
             </a:fld>
             <a:endParaRPr lang="de-DE"/>
           </a:p>
@@ -1242,7 +1242,7 @@
           <a:p>
             <a:fld id="{0634D24E-BD22-E34C-A3DE-22969B61DDDB}" type="datetimeFigureOut">
               <a:rPr lang="de-DE" smtClean="0"/>
-              <a:t>12.06.19</a:t>
+              <a:t>13.06.19</a:t>
             </a:fld>
             <a:endParaRPr lang="de-DE"/>
           </a:p>
@@ -1609,7 +1609,7 @@
           <a:p>
             <a:fld id="{0634D24E-BD22-E34C-A3DE-22969B61DDDB}" type="datetimeFigureOut">
               <a:rPr lang="de-DE" smtClean="0"/>
-              <a:t>12.06.19</a:t>
+              <a:t>13.06.19</a:t>
             </a:fld>
             <a:endParaRPr lang="de-DE"/>
           </a:p>
@@ -1727,7 +1727,7 @@
           <a:p>
             <a:fld id="{0634D24E-BD22-E34C-A3DE-22969B61DDDB}" type="datetimeFigureOut">
               <a:rPr lang="de-DE" smtClean="0"/>
-              <a:t>12.06.19</a:t>
+              <a:t>13.06.19</a:t>
             </a:fld>
             <a:endParaRPr lang="de-DE"/>
           </a:p>
@@ -1822,7 +1822,7 @@
           <a:p>
             <a:fld id="{0634D24E-BD22-E34C-A3DE-22969B61DDDB}" type="datetimeFigureOut">
               <a:rPr lang="de-DE" smtClean="0"/>
-              <a:t>12.06.19</a:t>
+              <a:t>13.06.19</a:t>
             </a:fld>
             <a:endParaRPr lang="de-DE"/>
           </a:p>
@@ -2099,7 +2099,7 @@
           <a:p>
             <a:fld id="{0634D24E-BD22-E34C-A3DE-22969B61DDDB}" type="datetimeFigureOut">
               <a:rPr lang="de-DE" smtClean="0"/>
-              <a:t>12.06.19</a:t>
+              <a:t>13.06.19</a:t>
             </a:fld>
             <a:endParaRPr lang="de-DE"/>
           </a:p>
@@ -2356,7 +2356,7 @@
           <a:p>
             <a:fld id="{0634D24E-BD22-E34C-A3DE-22969B61DDDB}" type="datetimeFigureOut">
               <a:rPr lang="de-DE" smtClean="0"/>
-              <a:t>12.06.19</a:t>
+              <a:t>13.06.19</a:t>
             </a:fld>
             <a:endParaRPr lang="de-DE"/>
           </a:p>
@@ -2569,7 +2569,7 @@
           <a:p>
             <a:fld id="{0634D24E-BD22-E34C-A3DE-22969B61DDDB}" type="datetimeFigureOut">
               <a:rPr lang="de-DE" smtClean="0"/>
-              <a:t>12.06.19</a:t>
+              <a:t>13.06.19</a:t>
             </a:fld>
             <a:endParaRPr lang="de-DE"/>
           </a:p>
@@ -3359,8 +3359,8 @@
         </p:nvSpPr>
         <p:spPr>
           <a:xfrm>
-            <a:off x="9623743" y="556665"/>
-            <a:ext cx="1126142" cy="369332"/>
+            <a:off x="9649647" y="556665"/>
+            <a:ext cx="1074333" cy="369332"/>
           </a:xfrm>
           <a:prstGeom prst="rect">
             <a:avLst/>
@@ -3375,10 +3375,9 @@
           <a:p>
             <a:pPr algn="ctr"/>
             <a:r>
-              <a:rPr lang="de-DE" dirty="0" err="1"/>
-              <a:t>Gameplay</a:t>
-            </a:r>
-            <a:endParaRPr lang="de-DE" dirty="0"/>
+              <a:rPr lang="de-DE" dirty="0"/>
+              <a:t>Spiellogik</a:t>
+            </a:r>
           </a:p>
         </p:txBody>
       </p:sp>
@@ -4477,6 +4476,7 @@
             </a:bodyPr>
             <a:lstStyle/>
             <a:p>
+              <a:pPr algn="ctr"/>
               <a:r>
                 <a:rPr lang="de-DE" dirty="0"/>
                 <a:t>Player 1</a:t>
@@ -4639,11 +4639,11 @@
           </a:bodyPr>
           <a:lstStyle/>
           <a:p>
-            <a:r>
-              <a:rPr lang="de-DE" dirty="0" err="1"/>
-              <a:t>Gameplay</a:t>
-            </a:r>
-            <a:endParaRPr lang="de-DE" dirty="0"/>
+            <a:pPr algn="ctr"/>
+            <a:r>
+              <a:rPr lang="de-DE" dirty="0"/>
+              <a:t>Spiellogik</a:t>
+            </a:r>
           </a:p>
         </p:txBody>
       </p:sp>
@@ -4796,6 +4796,7 @@
             </a:bodyPr>
             <a:lstStyle/>
             <a:p>
+              <a:pPr algn="ctr"/>
               <a:r>
                 <a:rPr lang="de-DE" dirty="0"/>
                 <a:t>Player 2</a:t>
@@ -4903,6 +4904,7 @@
             </a:bodyPr>
             <a:lstStyle/>
             <a:p>
+              <a:pPr algn="ctr"/>
               <a:r>
                 <a:rPr lang="de-DE" dirty="0"/>
                 <a:t>Player 3</a:t>
@@ -5060,6 +5062,7 @@
             </a:bodyPr>
             <a:lstStyle/>
             <a:p>
+              <a:pPr algn="ctr"/>
               <a:r>
                 <a:rPr lang="de-DE" dirty="0"/>
                 <a:t>Player 4</a:t>

--- a/abbildungen.pptx
+++ b/abbildungen.pptx
@@ -5,8 +5,7 @@
     <p:sldMasterId id="2147483684" r:id="rId1"/>
   </p:sldMasterIdLst>
   <p:sldIdLst>
-    <p:sldId id="256" r:id="rId2"/>
-    <p:sldId id="257" r:id="rId3"/>
+    <p:sldId id="257" r:id="rId2"/>
   </p:sldIdLst>
   <p:sldSz cx="18000663" cy="6858000"/>
   <p:notesSz cx="6858000" cy="9144000"/>
@@ -2958,1409 +2957,6 @@
 </file>
 
 <file path=ppt/slides/slide1.xml><?xml version="1.0" encoding="utf-8"?>
-<p:sld xmlns:a="http://schemas.openxmlformats.org/drawingml/2006/main" xmlns:r="http://schemas.openxmlformats.org/officeDocument/2006/relationships" xmlns:p="http://schemas.openxmlformats.org/presentationml/2006/main">
-  <p:cSld>
-    <p:spTree>
-      <p:nvGrpSpPr>
-        <p:cNvPr id="1" name=""/>
-        <p:cNvGrpSpPr/>
-        <p:nvPr/>
-      </p:nvGrpSpPr>
-      <p:grpSpPr>
-        <a:xfrm>
-          <a:off x="0" y="0"/>
-          <a:ext cx="0" cy="0"/>
-          <a:chOff x="0" y="0"/>
-          <a:chExt cx="0" cy="0"/>
-        </a:xfrm>
-      </p:grpSpPr>
-      <p:sp>
-        <p:nvSpPr>
-          <p:cNvPr id="9" name="Left Brace 8">
-            <a:extLst>
-              <a:ext uri="{FF2B5EF4-FFF2-40B4-BE49-F238E27FC236}">
-                <a16:creationId xmlns:a16="http://schemas.microsoft.com/office/drawing/2014/main" id="{73DCF36D-7C55-A848-8B0A-5F2FBC31B6BF}"/>
-              </a:ext>
-            </a:extLst>
-          </p:cNvPr>
-          <p:cNvSpPr/>
-          <p:nvPr/>
-        </p:nvSpPr>
-        <p:spPr>
-          <a:xfrm rot="5400000">
-            <a:off x="9983608" y="-3814116"/>
-            <a:ext cx="406412" cy="9886639"/>
-          </a:xfrm>
-          <a:prstGeom prst="leftBrace">
-            <a:avLst/>
-          </a:prstGeom>
-        </p:spPr>
-        <p:style>
-          <a:lnRef idx="1">
-            <a:schemeClr val="accent1"/>
-          </a:lnRef>
-          <a:fillRef idx="0">
-            <a:schemeClr val="accent1"/>
-          </a:fillRef>
-          <a:effectRef idx="0">
-            <a:schemeClr val="accent1"/>
-          </a:effectRef>
-          <a:fontRef idx="minor">
-            <a:schemeClr val="tx1"/>
-          </a:fontRef>
-        </p:style>
-        <p:txBody>
-          <a:bodyPr rot="0" spcFirstLastPara="0" vertOverflow="overflow" horzOverflow="overflow" vert="horz" wrap="square" lIns="91440" tIns="45720" rIns="91440" bIns="45720" numCol="1" spcCol="0" rtlCol="0" fromWordArt="0" anchor="ctr" anchorCtr="0" forceAA="0" compatLnSpc="1">
-            <a:prstTxWarp prst="textNoShape">
-              <a:avLst/>
-            </a:prstTxWarp>
-            <a:noAutofit/>
-          </a:bodyPr>
-          <a:lstStyle/>
-          <a:p>
-            <a:pPr algn="ctr"/>
-            <a:endParaRPr lang="de-DE"/>
-          </a:p>
-        </p:txBody>
-      </p:sp>
-      <p:grpSp>
-        <p:nvGrpSpPr>
-          <p:cNvPr id="38" name="Group 37">
-            <a:extLst>
-              <a:ext uri="{FF2B5EF4-FFF2-40B4-BE49-F238E27FC236}">
-                <a16:creationId xmlns:a16="http://schemas.microsoft.com/office/drawing/2014/main" id="{736E9CAC-C285-F341-98D8-ABA2C01BB65D}"/>
-              </a:ext>
-            </a:extLst>
-          </p:cNvPr>
-          <p:cNvGrpSpPr/>
-          <p:nvPr/>
-        </p:nvGrpSpPr>
-        <p:grpSpPr>
-          <a:xfrm>
-            <a:off x="5310797" y="478471"/>
-            <a:ext cx="2389942" cy="2348623"/>
-            <a:chOff x="2406466" y="478468"/>
-            <a:chExt cx="2389942" cy="2348623"/>
-          </a:xfrm>
-        </p:grpSpPr>
-        <p:sp>
-          <p:nvSpPr>
-            <p:cNvPr id="4" name="TextBox 3">
-              <a:extLst>
-                <a:ext uri="{FF2B5EF4-FFF2-40B4-BE49-F238E27FC236}">
-                  <a16:creationId xmlns:a16="http://schemas.microsoft.com/office/drawing/2014/main" id="{D3707C71-965A-CE4C-820E-C40C975D819B}"/>
-                </a:ext>
-              </a:extLst>
-            </p:cNvPr>
-            <p:cNvSpPr txBox="1"/>
-            <p:nvPr/>
-          </p:nvSpPr>
-          <p:spPr>
-            <a:xfrm>
-              <a:off x="2998231" y="1352282"/>
-              <a:ext cx="929357" cy="369332"/>
-            </a:xfrm>
-            <a:prstGeom prst="rect">
-              <a:avLst/>
-            </a:prstGeom>
-            <a:noFill/>
-            <a:ln>
-              <a:solidFill>
-                <a:schemeClr val="accent1"/>
-              </a:solidFill>
-            </a:ln>
-          </p:spPr>
-          <p:txBody>
-            <a:bodyPr wrap="square" rtlCol="0">
-              <a:spAutoFit/>
-            </a:bodyPr>
-            <a:lstStyle/>
-            <a:p>
-              <a:pPr algn="ctr"/>
-              <a:r>
-                <a:rPr lang="de-DE" dirty="0"/>
-                <a:t>Player 1 </a:t>
-              </a:r>
-            </a:p>
-          </p:txBody>
-        </p:sp>
-        <p:cxnSp>
-          <p:nvCxnSpPr>
-            <p:cNvPr id="7" name="Straight Arrow Connector 6">
-              <a:extLst>
-                <a:ext uri="{FF2B5EF4-FFF2-40B4-BE49-F238E27FC236}">
-                  <a16:creationId xmlns:a16="http://schemas.microsoft.com/office/drawing/2014/main" id="{E5D22797-15C6-794E-99D2-EDCDCD3BB3BF}"/>
-                </a:ext>
-              </a:extLst>
-            </p:cNvPr>
-            <p:cNvCxnSpPr>
-              <a:cxnSpLocks/>
-              <a:stCxn id="4" idx="2"/>
-            </p:cNvCxnSpPr>
-            <p:nvPr/>
-          </p:nvCxnSpPr>
-          <p:spPr>
-            <a:xfrm>
-              <a:off x="3462910" y="1721614"/>
-              <a:ext cx="0" cy="883363"/>
-            </a:xfrm>
-            <a:prstGeom prst="straightConnector1">
-              <a:avLst/>
-            </a:prstGeom>
-            <a:ln>
-              <a:tailEnd type="triangle"/>
-            </a:ln>
-          </p:spPr>
-          <p:style>
-            <a:lnRef idx="1">
-              <a:schemeClr val="accent1"/>
-            </a:lnRef>
-            <a:fillRef idx="0">
-              <a:schemeClr val="accent1"/>
-            </a:fillRef>
-            <a:effectRef idx="0">
-              <a:schemeClr val="accent1"/>
-            </a:effectRef>
-            <a:fontRef idx="minor">
-              <a:schemeClr val="tx1"/>
-            </a:fontRef>
-          </p:style>
-        </p:cxnSp>
-        <p:sp>
-          <p:nvSpPr>
-            <p:cNvPr id="24" name="Arc 23">
-              <a:extLst>
-                <a:ext uri="{FF2B5EF4-FFF2-40B4-BE49-F238E27FC236}">
-                  <a16:creationId xmlns:a16="http://schemas.microsoft.com/office/drawing/2014/main" id="{694F40F4-511E-0043-B7BA-5E327063FF7A}"/>
-                </a:ext>
-              </a:extLst>
-            </p:cNvPr>
-            <p:cNvSpPr/>
-            <p:nvPr/>
-          </p:nvSpPr>
-          <p:spPr>
-            <a:xfrm rot="5400000">
-              <a:off x="2671642" y="318039"/>
-              <a:ext cx="1582532" cy="1903391"/>
-            </a:xfrm>
-            <a:prstGeom prst="arc">
-              <a:avLst>
-                <a:gd name="adj1" fmla="val 15830423"/>
-                <a:gd name="adj2" fmla="val 0"/>
-              </a:avLst>
-            </a:prstGeom>
-            <a:ln>
-              <a:headEnd type="stealth"/>
-            </a:ln>
-          </p:spPr>
-          <p:style>
-            <a:lnRef idx="1">
-              <a:schemeClr val="accent1"/>
-            </a:lnRef>
-            <a:fillRef idx="0">
-              <a:schemeClr val="accent1"/>
-            </a:fillRef>
-            <a:effectRef idx="0">
-              <a:schemeClr val="accent1"/>
-            </a:effectRef>
-            <a:fontRef idx="minor">
-              <a:schemeClr val="tx1"/>
-            </a:fontRef>
-          </p:style>
-          <p:txBody>
-            <a:bodyPr rot="0" spcFirstLastPara="0" vertOverflow="overflow" horzOverflow="overflow" vert="horz" wrap="square" lIns="91440" tIns="45720" rIns="91440" bIns="45720" numCol="1" spcCol="0" rtlCol="0" fromWordArt="0" anchor="ctr" anchorCtr="0" forceAA="0" compatLnSpc="1">
-              <a:prstTxWarp prst="textNoShape">
-                <a:avLst/>
-              </a:prstTxWarp>
-              <a:noAutofit/>
-            </a:bodyPr>
-            <a:lstStyle/>
-            <a:p>
-              <a:pPr algn="ctr"/>
-              <a:endParaRPr lang="de-DE" dirty="0"/>
-            </a:p>
-          </p:txBody>
-        </p:sp>
-        <p:sp>
-          <p:nvSpPr>
-            <p:cNvPr id="26" name="Arc 25">
-              <a:extLst>
-                <a:ext uri="{FF2B5EF4-FFF2-40B4-BE49-F238E27FC236}">
-                  <a16:creationId xmlns:a16="http://schemas.microsoft.com/office/drawing/2014/main" id="{29DBBFD8-442E-AD40-9651-9CB11AC3AAA7}"/>
-                </a:ext>
-              </a:extLst>
-            </p:cNvPr>
-            <p:cNvSpPr/>
-            <p:nvPr/>
-          </p:nvSpPr>
-          <p:spPr>
-            <a:xfrm rot="16200000" flipH="1">
-              <a:off x="2671642" y="318038"/>
-              <a:ext cx="1582532" cy="1903391"/>
-            </a:xfrm>
-            <a:prstGeom prst="arc">
-              <a:avLst>
-                <a:gd name="adj1" fmla="val 15830423"/>
-                <a:gd name="adj2" fmla="val 0"/>
-              </a:avLst>
-            </a:prstGeom>
-            <a:ln>
-              <a:headEnd type="none"/>
-              <a:tailEnd type="stealth"/>
-            </a:ln>
-          </p:spPr>
-          <p:style>
-            <a:lnRef idx="1">
-              <a:schemeClr val="accent1"/>
-            </a:lnRef>
-            <a:fillRef idx="0">
-              <a:schemeClr val="accent1"/>
-            </a:fillRef>
-            <a:effectRef idx="0">
-              <a:schemeClr val="accent1"/>
-            </a:effectRef>
-            <a:fontRef idx="minor">
-              <a:schemeClr val="tx1"/>
-            </a:fontRef>
-          </p:style>
-          <p:txBody>
-            <a:bodyPr rot="0" spcFirstLastPara="0" vertOverflow="overflow" horzOverflow="overflow" vert="horz" wrap="square" lIns="91440" tIns="45720" rIns="91440" bIns="45720" numCol="1" spcCol="0" rtlCol="0" fromWordArt="0" anchor="ctr" anchorCtr="0" forceAA="0" compatLnSpc="1">
-              <a:prstTxWarp prst="textNoShape">
-                <a:avLst/>
-              </a:prstTxWarp>
-              <a:noAutofit/>
-            </a:bodyPr>
-            <a:lstStyle/>
-            <a:p>
-              <a:pPr algn="ctr"/>
-              <a:endParaRPr lang="de-DE" dirty="0"/>
-            </a:p>
-          </p:txBody>
-        </p:sp>
-        <p:sp>
-          <p:nvSpPr>
-            <p:cNvPr id="27" name="TextBox 26">
-              <a:extLst>
-                <a:ext uri="{FF2B5EF4-FFF2-40B4-BE49-F238E27FC236}">
-                  <a16:creationId xmlns:a16="http://schemas.microsoft.com/office/drawing/2014/main" id="{C3EC1160-A401-FB44-858E-B0CC78F5304C}"/>
-                </a:ext>
-              </a:extLst>
-            </p:cNvPr>
-            <p:cNvSpPr txBox="1"/>
-            <p:nvPr/>
-          </p:nvSpPr>
-          <p:spPr>
-            <a:xfrm>
-              <a:off x="2406466" y="1886296"/>
-              <a:ext cx="591765" cy="276999"/>
-            </a:xfrm>
-            <a:prstGeom prst="rect">
-              <a:avLst/>
-            </a:prstGeom>
-            <a:noFill/>
-          </p:spPr>
-          <p:txBody>
-            <a:bodyPr wrap="none" rtlCol="0">
-              <a:spAutoFit/>
-            </a:bodyPr>
-            <a:lstStyle/>
-            <a:p>
-              <a:pPr algn="r"/>
-              <a:r>
-                <a:rPr lang="de-DE" sz="1200" dirty="0"/>
-                <a:t>Events</a:t>
-              </a:r>
-            </a:p>
-          </p:txBody>
-        </p:sp>
-        <p:sp>
-          <p:nvSpPr>
-            <p:cNvPr id="28" name="TextBox 27">
-              <a:extLst>
-                <a:ext uri="{FF2B5EF4-FFF2-40B4-BE49-F238E27FC236}">
-                  <a16:creationId xmlns:a16="http://schemas.microsoft.com/office/drawing/2014/main" id="{FE3FD6BE-CE58-E54A-B918-857E84CEFB20}"/>
-                </a:ext>
-              </a:extLst>
-            </p:cNvPr>
-            <p:cNvSpPr txBox="1"/>
-            <p:nvPr/>
-          </p:nvSpPr>
-          <p:spPr>
-            <a:xfrm>
-              <a:off x="3906421" y="1880272"/>
-              <a:ext cx="889987" cy="276999"/>
-            </a:xfrm>
-            <a:prstGeom prst="rect">
-              <a:avLst/>
-            </a:prstGeom>
-            <a:noFill/>
-          </p:spPr>
-          <p:txBody>
-            <a:bodyPr wrap="none" rtlCol="0">
-              <a:spAutoFit/>
-            </a:bodyPr>
-            <a:lstStyle/>
-            <a:p>
-              <a:r>
-                <a:rPr lang="de-DE" sz="1200" dirty="0" err="1"/>
-                <a:t>Commands</a:t>
-              </a:r>
-              <a:endParaRPr lang="de-DE" sz="1200" dirty="0"/>
-            </a:p>
-          </p:txBody>
-        </p:sp>
-        <p:sp>
-          <p:nvSpPr>
-            <p:cNvPr id="29" name="TextBox 28">
-              <a:extLst>
-                <a:ext uri="{FF2B5EF4-FFF2-40B4-BE49-F238E27FC236}">
-                  <a16:creationId xmlns:a16="http://schemas.microsoft.com/office/drawing/2014/main" id="{878F9825-E3B5-AC48-8EB6-4312FD022D2A}"/>
-                </a:ext>
-              </a:extLst>
-            </p:cNvPr>
-            <p:cNvSpPr txBox="1"/>
-            <p:nvPr/>
-          </p:nvSpPr>
-          <p:spPr>
-            <a:xfrm rot="5400000">
-              <a:off x="3261602" y="2348786"/>
-              <a:ext cx="679610" cy="276999"/>
-            </a:xfrm>
-            <a:prstGeom prst="rect">
-              <a:avLst/>
-            </a:prstGeom>
-            <a:noFill/>
-          </p:spPr>
-          <p:txBody>
-            <a:bodyPr wrap="none" rtlCol="0">
-              <a:spAutoFit/>
-            </a:bodyPr>
-            <a:lstStyle/>
-            <a:p>
-              <a:r>
-                <a:rPr lang="de-DE" sz="1200" dirty="0"/>
-                <a:t>Zustand</a:t>
-              </a:r>
-            </a:p>
-          </p:txBody>
-        </p:sp>
-      </p:grpSp>
-      <p:sp>
-        <p:nvSpPr>
-          <p:cNvPr id="30" name="TextBox 29">
-            <a:extLst>
-              <a:ext uri="{FF2B5EF4-FFF2-40B4-BE49-F238E27FC236}">
-                <a16:creationId xmlns:a16="http://schemas.microsoft.com/office/drawing/2014/main" id="{147FEBB8-75CB-5444-8567-324880A26754}"/>
-              </a:ext>
-            </a:extLst>
-          </p:cNvPr>
-          <p:cNvSpPr txBox="1"/>
-          <p:nvPr/>
-        </p:nvSpPr>
-        <p:spPr>
-          <a:xfrm>
-            <a:off x="9649647" y="556665"/>
-            <a:ext cx="1074333" cy="369332"/>
-          </a:xfrm>
-          <a:prstGeom prst="rect">
-            <a:avLst/>
-          </a:prstGeom>
-          <a:noFill/>
-        </p:spPr>
-        <p:txBody>
-          <a:bodyPr wrap="none" rtlCol="0">
-            <a:spAutoFit/>
-          </a:bodyPr>
-          <a:lstStyle/>
-          <a:p>
-            <a:pPr algn="ctr"/>
-            <a:r>
-              <a:rPr lang="de-DE" dirty="0"/>
-              <a:t>Spiellogik</a:t>
-            </a:r>
-          </a:p>
-        </p:txBody>
-      </p:sp>
-      <p:grpSp>
-        <p:nvGrpSpPr>
-          <p:cNvPr id="39" name="Group 38">
-            <a:extLst>
-              <a:ext uri="{FF2B5EF4-FFF2-40B4-BE49-F238E27FC236}">
-                <a16:creationId xmlns:a16="http://schemas.microsoft.com/office/drawing/2014/main" id="{25EFD878-6125-DA49-AB41-6F7218151056}"/>
-              </a:ext>
-            </a:extLst>
-          </p:cNvPr>
-          <p:cNvGrpSpPr/>
-          <p:nvPr/>
-        </p:nvGrpSpPr>
-        <p:grpSpPr>
-          <a:xfrm>
-            <a:off x="12923375" y="474581"/>
-            <a:ext cx="2389942" cy="2348623"/>
-            <a:chOff x="2406466" y="478468"/>
-            <a:chExt cx="2389942" cy="2348623"/>
-          </a:xfrm>
-        </p:grpSpPr>
-        <p:sp>
-          <p:nvSpPr>
-            <p:cNvPr id="40" name="TextBox 39">
-              <a:extLst>
-                <a:ext uri="{FF2B5EF4-FFF2-40B4-BE49-F238E27FC236}">
-                  <a16:creationId xmlns:a16="http://schemas.microsoft.com/office/drawing/2014/main" id="{FD72574F-D048-DB42-92BE-1A194E2EB98B}"/>
-                </a:ext>
-              </a:extLst>
-            </p:cNvPr>
-            <p:cNvSpPr txBox="1"/>
-            <p:nvPr/>
-          </p:nvSpPr>
-          <p:spPr>
-            <a:xfrm>
-              <a:off x="2998231" y="1352282"/>
-              <a:ext cx="929357" cy="369332"/>
-            </a:xfrm>
-            <a:prstGeom prst="rect">
-              <a:avLst/>
-            </a:prstGeom>
-            <a:noFill/>
-            <a:ln>
-              <a:solidFill>
-                <a:schemeClr val="accent1"/>
-              </a:solidFill>
-            </a:ln>
-          </p:spPr>
-          <p:txBody>
-            <a:bodyPr wrap="square" rtlCol="0">
-              <a:spAutoFit/>
-            </a:bodyPr>
-            <a:lstStyle/>
-            <a:p>
-              <a:pPr algn="ctr"/>
-              <a:r>
-                <a:rPr lang="de-DE" dirty="0"/>
-                <a:t>Player 4 </a:t>
-              </a:r>
-            </a:p>
-          </p:txBody>
-        </p:sp>
-        <p:cxnSp>
-          <p:nvCxnSpPr>
-            <p:cNvPr id="41" name="Straight Arrow Connector 40">
-              <a:extLst>
-                <a:ext uri="{FF2B5EF4-FFF2-40B4-BE49-F238E27FC236}">
-                  <a16:creationId xmlns:a16="http://schemas.microsoft.com/office/drawing/2014/main" id="{2166FB68-0738-E843-A0FE-3C56AFCCAF4F}"/>
-                </a:ext>
-              </a:extLst>
-            </p:cNvPr>
-            <p:cNvCxnSpPr>
-              <a:cxnSpLocks/>
-              <a:stCxn id="40" idx="2"/>
-            </p:cNvCxnSpPr>
-            <p:nvPr/>
-          </p:nvCxnSpPr>
-          <p:spPr>
-            <a:xfrm>
-              <a:off x="3462910" y="1721614"/>
-              <a:ext cx="0" cy="883363"/>
-            </a:xfrm>
-            <a:prstGeom prst="straightConnector1">
-              <a:avLst/>
-            </a:prstGeom>
-            <a:ln>
-              <a:tailEnd type="triangle"/>
-            </a:ln>
-          </p:spPr>
-          <p:style>
-            <a:lnRef idx="1">
-              <a:schemeClr val="accent1"/>
-            </a:lnRef>
-            <a:fillRef idx="0">
-              <a:schemeClr val="accent1"/>
-            </a:fillRef>
-            <a:effectRef idx="0">
-              <a:schemeClr val="accent1"/>
-            </a:effectRef>
-            <a:fontRef idx="minor">
-              <a:schemeClr val="tx1"/>
-            </a:fontRef>
-          </p:style>
-        </p:cxnSp>
-        <p:sp>
-          <p:nvSpPr>
-            <p:cNvPr id="42" name="Arc 41">
-              <a:extLst>
-                <a:ext uri="{FF2B5EF4-FFF2-40B4-BE49-F238E27FC236}">
-                  <a16:creationId xmlns:a16="http://schemas.microsoft.com/office/drawing/2014/main" id="{C7FAC0C4-762A-5844-AA7A-5B7A929D3A9E}"/>
-                </a:ext>
-              </a:extLst>
-            </p:cNvPr>
-            <p:cNvSpPr/>
-            <p:nvPr/>
-          </p:nvSpPr>
-          <p:spPr>
-            <a:xfrm rot="5400000">
-              <a:off x="2671642" y="318039"/>
-              <a:ext cx="1582532" cy="1903391"/>
-            </a:xfrm>
-            <a:prstGeom prst="arc">
-              <a:avLst>
-                <a:gd name="adj1" fmla="val 15830423"/>
-                <a:gd name="adj2" fmla="val 0"/>
-              </a:avLst>
-            </a:prstGeom>
-            <a:ln>
-              <a:headEnd type="stealth"/>
-            </a:ln>
-          </p:spPr>
-          <p:style>
-            <a:lnRef idx="1">
-              <a:schemeClr val="accent1"/>
-            </a:lnRef>
-            <a:fillRef idx="0">
-              <a:schemeClr val="accent1"/>
-            </a:fillRef>
-            <a:effectRef idx="0">
-              <a:schemeClr val="accent1"/>
-            </a:effectRef>
-            <a:fontRef idx="minor">
-              <a:schemeClr val="tx1"/>
-            </a:fontRef>
-          </p:style>
-          <p:txBody>
-            <a:bodyPr rot="0" spcFirstLastPara="0" vertOverflow="overflow" horzOverflow="overflow" vert="horz" wrap="square" lIns="91440" tIns="45720" rIns="91440" bIns="45720" numCol="1" spcCol="0" rtlCol="0" fromWordArt="0" anchor="ctr" anchorCtr="0" forceAA="0" compatLnSpc="1">
-              <a:prstTxWarp prst="textNoShape">
-                <a:avLst/>
-              </a:prstTxWarp>
-              <a:noAutofit/>
-            </a:bodyPr>
-            <a:lstStyle/>
-            <a:p>
-              <a:pPr algn="ctr"/>
-              <a:endParaRPr lang="de-DE" dirty="0"/>
-            </a:p>
-          </p:txBody>
-        </p:sp>
-        <p:sp>
-          <p:nvSpPr>
-            <p:cNvPr id="43" name="Arc 42">
-              <a:extLst>
-                <a:ext uri="{FF2B5EF4-FFF2-40B4-BE49-F238E27FC236}">
-                  <a16:creationId xmlns:a16="http://schemas.microsoft.com/office/drawing/2014/main" id="{8101D572-6C32-2349-8BAB-BCFD73D43D15}"/>
-                </a:ext>
-              </a:extLst>
-            </p:cNvPr>
-            <p:cNvSpPr/>
-            <p:nvPr/>
-          </p:nvSpPr>
-          <p:spPr>
-            <a:xfrm rot="16200000" flipH="1">
-              <a:off x="2671642" y="318038"/>
-              <a:ext cx="1582532" cy="1903391"/>
-            </a:xfrm>
-            <a:prstGeom prst="arc">
-              <a:avLst>
-                <a:gd name="adj1" fmla="val 15830423"/>
-                <a:gd name="adj2" fmla="val 0"/>
-              </a:avLst>
-            </a:prstGeom>
-            <a:ln>
-              <a:headEnd type="none"/>
-              <a:tailEnd type="stealth"/>
-            </a:ln>
-          </p:spPr>
-          <p:style>
-            <a:lnRef idx="1">
-              <a:schemeClr val="accent1"/>
-            </a:lnRef>
-            <a:fillRef idx="0">
-              <a:schemeClr val="accent1"/>
-            </a:fillRef>
-            <a:effectRef idx="0">
-              <a:schemeClr val="accent1"/>
-            </a:effectRef>
-            <a:fontRef idx="minor">
-              <a:schemeClr val="tx1"/>
-            </a:fontRef>
-          </p:style>
-          <p:txBody>
-            <a:bodyPr rot="0" spcFirstLastPara="0" vertOverflow="overflow" horzOverflow="overflow" vert="horz" wrap="square" lIns="91440" tIns="45720" rIns="91440" bIns="45720" numCol="1" spcCol="0" rtlCol="0" fromWordArt="0" anchor="ctr" anchorCtr="0" forceAA="0" compatLnSpc="1">
-              <a:prstTxWarp prst="textNoShape">
-                <a:avLst/>
-              </a:prstTxWarp>
-              <a:noAutofit/>
-            </a:bodyPr>
-            <a:lstStyle/>
-            <a:p>
-              <a:pPr algn="ctr"/>
-              <a:endParaRPr lang="de-DE" dirty="0"/>
-            </a:p>
-          </p:txBody>
-        </p:sp>
-        <p:sp>
-          <p:nvSpPr>
-            <p:cNvPr id="44" name="TextBox 43">
-              <a:extLst>
-                <a:ext uri="{FF2B5EF4-FFF2-40B4-BE49-F238E27FC236}">
-                  <a16:creationId xmlns:a16="http://schemas.microsoft.com/office/drawing/2014/main" id="{A8205C30-C8F8-224E-A08A-5F86569F88CA}"/>
-                </a:ext>
-              </a:extLst>
-            </p:cNvPr>
-            <p:cNvSpPr txBox="1"/>
-            <p:nvPr/>
-          </p:nvSpPr>
-          <p:spPr>
-            <a:xfrm>
-              <a:off x="2406466" y="1886296"/>
-              <a:ext cx="591765" cy="276999"/>
-            </a:xfrm>
-            <a:prstGeom prst="rect">
-              <a:avLst/>
-            </a:prstGeom>
-            <a:noFill/>
-          </p:spPr>
-          <p:txBody>
-            <a:bodyPr wrap="none" rtlCol="0">
-              <a:spAutoFit/>
-            </a:bodyPr>
-            <a:lstStyle/>
-            <a:p>
-              <a:pPr algn="r"/>
-              <a:r>
-                <a:rPr lang="de-DE" sz="1200" dirty="0"/>
-                <a:t>Events</a:t>
-              </a:r>
-            </a:p>
-          </p:txBody>
-        </p:sp>
-        <p:sp>
-          <p:nvSpPr>
-            <p:cNvPr id="45" name="TextBox 44">
-              <a:extLst>
-                <a:ext uri="{FF2B5EF4-FFF2-40B4-BE49-F238E27FC236}">
-                  <a16:creationId xmlns:a16="http://schemas.microsoft.com/office/drawing/2014/main" id="{4E976075-B5DD-4149-BEDC-658B9567CD92}"/>
-                </a:ext>
-              </a:extLst>
-            </p:cNvPr>
-            <p:cNvSpPr txBox="1"/>
-            <p:nvPr/>
-          </p:nvSpPr>
-          <p:spPr>
-            <a:xfrm>
-              <a:off x="3906421" y="1880272"/>
-              <a:ext cx="889987" cy="276999"/>
-            </a:xfrm>
-            <a:prstGeom prst="rect">
-              <a:avLst/>
-            </a:prstGeom>
-            <a:noFill/>
-          </p:spPr>
-          <p:txBody>
-            <a:bodyPr wrap="none" rtlCol="0">
-              <a:spAutoFit/>
-            </a:bodyPr>
-            <a:lstStyle/>
-            <a:p>
-              <a:r>
-                <a:rPr lang="de-DE" sz="1200" dirty="0" err="1"/>
-                <a:t>Commands</a:t>
-              </a:r>
-              <a:endParaRPr lang="de-DE" sz="1200" dirty="0"/>
-            </a:p>
-          </p:txBody>
-        </p:sp>
-        <p:sp>
-          <p:nvSpPr>
-            <p:cNvPr id="46" name="TextBox 45">
-              <a:extLst>
-                <a:ext uri="{FF2B5EF4-FFF2-40B4-BE49-F238E27FC236}">
-                  <a16:creationId xmlns:a16="http://schemas.microsoft.com/office/drawing/2014/main" id="{50847505-CF5A-D54A-B278-D4209292AA0D}"/>
-                </a:ext>
-              </a:extLst>
-            </p:cNvPr>
-            <p:cNvSpPr txBox="1"/>
-            <p:nvPr/>
-          </p:nvSpPr>
-          <p:spPr>
-            <a:xfrm rot="5400000">
-              <a:off x="3261602" y="2348786"/>
-              <a:ext cx="679610" cy="276999"/>
-            </a:xfrm>
-            <a:prstGeom prst="rect">
-              <a:avLst/>
-            </a:prstGeom>
-            <a:noFill/>
-          </p:spPr>
-          <p:txBody>
-            <a:bodyPr wrap="none" rtlCol="0">
-              <a:spAutoFit/>
-            </a:bodyPr>
-            <a:lstStyle/>
-            <a:p>
-              <a:r>
-                <a:rPr lang="de-DE" sz="1200" dirty="0"/>
-                <a:t>Zustand</a:t>
-              </a:r>
-            </a:p>
-          </p:txBody>
-        </p:sp>
-      </p:grpSp>
-      <p:grpSp>
-        <p:nvGrpSpPr>
-          <p:cNvPr id="47" name="Group 46">
-            <a:extLst>
-              <a:ext uri="{FF2B5EF4-FFF2-40B4-BE49-F238E27FC236}">
-                <a16:creationId xmlns:a16="http://schemas.microsoft.com/office/drawing/2014/main" id="{9363E868-C4BF-E34C-99E1-9DB3C9971708}"/>
-              </a:ext>
-            </a:extLst>
-          </p:cNvPr>
-          <p:cNvGrpSpPr/>
-          <p:nvPr/>
-        </p:nvGrpSpPr>
-        <p:grpSpPr>
-          <a:xfrm>
-            <a:off x="7848213" y="474582"/>
-            <a:ext cx="2389942" cy="2348623"/>
-            <a:chOff x="2406466" y="478468"/>
-            <a:chExt cx="2389942" cy="2348623"/>
-          </a:xfrm>
-        </p:grpSpPr>
-        <p:sp>
-          <p:nvSpPr>
-            <p:cNvPr id="48" name="TextBox 47">
-              <a:extLst>
-                <a:ext uri="{FF2B5EF4-FFF2-40B4-BE49-F238E27FC236}">
-                  <a16:creationId xmlns:a16="http://schemas.microsoft.com/office/drawing/2014/main" id="{76831CCA-9F6E-124E-B810-DC2418468115}"/>
-                </a:ext>
-              </a:extLst>
-            </p:cNvPr>
-            <p:cNvSpPr txBox="1"/>
-            <p:nvPr/>
-          </p:nvSpPr>
-          <p:spPr>
-            <a:xfrm>
-              <a:off x="2998231" y="1352282"/>
-              <a:ext cx="929357" cy="369332"/>
-            </a:xfrm>
-            <a:prstGeom prst="rect">
-              <a:avLst/>
-            </a:prstGeom>
-            <a:noFill/>
-            <a:ln>
-              <a:solidFill>
-                <a:schemeClr val="accent1"/>
-              </a:solidFill>
-            </a:ln>
-          </p:spPr>
-          <p:txBody>
-            <a:bodyPr wrap="square" rtlCol="0">
-              <a:spAutoFit/>
-            </a:bodyPr>
-            <a:lstStyle/>
-            <a:p>
-              <a:pPr algn="ctr"/>
-              <a:r>
-                <a:rPr lang="de-DE" dirty="0"/>
-                <a:t>Player 2 </a:t>
-              </a:r>
-            </a:p>
-          </p:txBody>
-        </p:sp>
-        <p:cxnSp>
-          <p:nvCxnSpPr>
-            <p:cNvPr id="49" name="Straight Arrow Connector 48">
-              <a:extLst>
-                <a:ext uri="{FF2B5EF4-FFF2-40B4-BE49-F238E27FC236}">
-                  <a16:creationId xmlns:a16="http://schemas.microsoft.com/office/drawing/2014/main" id="{F51C970E-ED70-AD41-8F91-68B43032EB38}"/>
-                </a:ext>
-              </a:extLst>
-            </p:cNvPr>
-            <p:cNvCxnSpPr>
-              <a:cxnSpLocks/>
-              <a:stCxn id="48" idx="2"/>
-            </p:cNvCxnSpPr>
-            <p:nvPr/>
-          </p:nvCxnSpPr>
-          <p:spPr>
-            <a:xfrm>
-              <a:off x="3462910" y="1721614"/>
-              <a:ext cx="0" cy="883363"/>
-            </a:xfrm>
-            <a:prstGeom prst="straightConnector1">
-              <a:avLst/>
-            </a:prstGeom>
-            <a:ln>
-              <a:tailEnd type="triangle"/>
-            </a:ln>
-          </p:spPr>
-          <p:style>
-            <a:lnRef idx="1">
-              <a:schemeClr val="accent1"/>
-            </a:lnRef>
-            <a:fillRef idx="0">
-              <a:schemeClr val="accent1"/>
-            </a:fillRef>
-            <a:effectRef idx="0">
-              <a:schemeClr val="accent1"/>
-            </a:effectRef>
-            <a:fontRef idx="minor">
-              <a:schemeClr val="tx1"/>
-            </a:fontRef>
-          </p:style>
-        </p:cxnSp>
-        <p:sp>
-          <p:nvSpPr>
-            <p:cNvPr id="50" name="Arc 49">
-              <a:extLst>
-                <a:ext uri="{FF2B5EF4-FFF2-40B4-BE49-F238E27FC236}">
-                  <a16:creationId xmlns:a16="http://schemas.microsoft.com/office/drawing/2014/main" id="{79D95DE0-827C-F949-90B5-DD515A44AEAF}"/>
-                </a:ext>
-              </a:extLst>
-            </p:cNvPr>
-            <p:cNvSpPr/>
-            <p:nvPr/>
-          </p:nvSpPr>
-          <p:spPr>
-            <a:xfrm rot="5400000">
-              <a:off x="2671642" y="318039"/>
-              <a:ext cx="1582532" cy="1903391"/>
-            </a:xfrm>
-            <a:prstGeom prst="arc">
-              <a:avLst>
-                <a:gd name="adj1" fmla="val 15830423"/>
-                <a:gd name="adj2" fmla="val 0"/>
-              </a:avLst>
-            </a:prstGeom>
-            <a:ln>
-              <a:headEnd type="stealth"/>
-            </a:ln>
-          </p:spPr>
-          <p:style>
-            <a:lnRef idx="1">
-              <a:schemeClr val="accent1"/>
-            </a:lnRef>
-            <a:fillRef idx="0">
-              <a:schemeClr val="accent1"/>
-            </a:fillRef>
-            <a:effectRef idx="0">
-              <a:schemeClr val="accent1"/>
-            </a:effectRef>
-            <a:fontRef idx="minor">
-              <a:schemeClr val="tx1"/>
-            </a:fontRef>
-          </p:style>
-          <p:txBody>
-            <a:bodyPr rot="0" spcFirstLastPara="0" vertOverflow="overflow" horzOverflow="overflow" vert="horz" wrap="square" lIns="91440" tIns="45720" rIns="91440" bIns="45720" numCol="1" spcCol="0" rtlCol="0" fromWordArt="0" anchor="ctr" anchorCtr="0" forceAA="0" compatLnSpc="1">
-              <a:prstTxWarp prst="textNoShape">
-                <a:avLst/>
-              </a:prstTxWarp>
-              <a:noAutofit/>
-            </a:bodyPr>
-            <a:lstStyle/>
-            <a:p>
-              <a:pPr algn="ctr"/>
-              <a:endParaRPr lang="de-DE" dirty="0"/>
-            </a:p>
-          </p:txBody>
-        </p:sp>
-        <p:sp>
-          <p:nvSpPr>
-            <p:cNvPr id="51" name="Arc 50">
-              <a:extLst>
-                <a:ext uri="{FF2B5EF4-FFF2-40B4-BE49-F238E27FC236}">
-                  <a16:creationId xmlns:a16="http://schemas.microsoft.com/office/drawing/2014/main" id="{38AE04D3-9380-344A-9075-A1600A771138}"/>
-                </a:ext>
-              </a:extLst>
-            </p:cNvPr>
-            <p:cNvSpPr/>
-            <p:nvPr/>
-          </p:nvSpPr>
-          <p:spPr>
-            <a:xfrm rot="16200000" flipH="1">
-              <a:off x="2671642" y="318038"/>
-              <a:ext cx="1582532" cy="1903391"/>
-            </a:xfrm>
-            <a:prstGeom prst="arc">
-              <a:avLst>
-                <a:gd name="adj1" fmla="val 15830423"/>
-                <a:gd name="adj2" fmla="val 0"/>
-              </a:avLst>
-            </a:prstGeom>
-            <a:ln>
-              <a:headEnd type="none"/>
-              <a:tailEnd type="stealth"/>
-            </a:ln>
-          </p:spPr>
-          <p:style>
-            <a:lnRef idx="1">
-              <a:schemeClr val="accent1"/>
-            </a:lnRef>
-            <a:fillRef idx="0">
-              <a:schemeClr val="accent1"/>
-            </a:fillRef>
-            <a:effectRef idx="0">
-              <a:schemeClr val="accent1"/>
-            </a:effectRef>
-            <a:fontRef idx="minor">
-              <a:schemeClr val="tx1"/>
-            </a:fontRef>
-          </p:style>
-          <p:txBody>
-            <a:bodyPr rot="0" spcFirstLastPara="0" vertOverflow="overflow" horzOverflow="overflow" vert="horz" wrap="square" lIns="91440" tIns="45720" rIns="91440" bIns="45720" numCol="1" spcCol="0" rtlCol="0" fromWordArt="0" anchor="ctr" anchorCtr="0" forceAA="0" compatLnSpc="1">
-              <a:prstTxWarp prst="textNoShape">
-                <a:avLst/>
-              </a:prstTxWarp>
-              <a:noAutofit/>
-            </a:bodyPr>
-            <a:lstStyle/>
-            <a:p>
-              <a:pPr algn="ctr"/>
-              <a:endParaRPr lang="de-DE" dirty="0"/>
-            </a:p>
-          </p:txBody>
-        </p:sp>
-        <p:sp>
-          <p:nvSpPr>
-            <p:cNvPr id="52" name="TextBox 51">
-              <a:extLst>
-                <a:ext uri="{FF2B5EF4-FFF2-40B4-BE49-F238E27FC236}">
-                  <a16:creationId xmlns:a16="http://schemas.microsoft.com/office/drawing/2014/main" id="{DEEC673F-B9C1-1B4F-8F3F-4BE766F7C9A9}"/>
-                </a:ext>
-              </a:extLst>
-            </p:cNvPr>
-            <p:cNvSpPr txBox="1"/>
-            <p:nvPr/>
-          </p:nvSpPr>
-          <p:spPr>
-            <a:xfrm>
-              <a:off x="2406466" y="1886296"/>
-              <a:ext cx="591765" cy="276999"/>
-            </a:xfrm>
-            <a:prstGeom prst="rect">
-              <a:avLst/>
-            </a:prstGeom>
-            <a:noFill/>
-          </p:spPr>
-          <p:txBody>
-            <a:bodyPr wrap="none" rtlCol="0">
-              <a:spAutoFit/>
-            </a:bodyPr>
-            <a:lstStyle/>
-            <a:p>
-              <a:pPr algn="r"/>
-              <a:r>
-                <a:rPr lang="de-DE" sz="1200" dirty="0"/>
-                <a:t>Events</a:t>
-              </a:r>
-            </a:p>
-          </p:txBody>
-        </p:sp>
-        <p:sp>
-          <p:nvSpPr>
-            <p:cNvPr id="53" name="TextBox 52">
-              <a:extLst>
-                <a:ext uri="{FF2B5EF4-FFF2-40B4-BE49-F238E27FC236}">
-                  <a16:creationId xmlns:a16="http://schemas.microsoft.com/office/drawing/2014/main" id="{C003B731-3943-4C48-94F9-B4A7208D8AEA}"/>
-                </a:ext>
-              </a:extLst>
-            </p:cNvPr>
-            <p:cNvSpPr txBox="1"/>
-            <p:nvPr/>
-          </p:nvSpPr>
-          <p:spPr>
-            <a:xfrm>
-              <a:off x="3906421" y="1880272"/>
-              <a:ext cx="889987" cy="276999"/>
-            </a:xfrm>
-            <a:prstGeom prst="rect">
-              <a:avLst/>
-            </a:prstGeom>
-            <a:noFill/>
-          </p:spPr>
-          <p:txBody>
-            <a:bodyPr wrap="none" rtlCol="0">
-              <a:spAutoFit/>
-            </a:bodyPr>
-            <a:lstStyle/>
-            <a:p>
-              <a:r>
-                <a:rPr lang="de-DE" sz="1200" dirty="0" err="1"/>
-                <a:t>Commands</a:t>
-              </a:r>
-              <a:endParaRPr lang="de-DE" sz="1200" dirty="0"/>
-            </a:p>
-          </p:txBody>
-        </p:sp>
-        <p:sp>
-          <p:nvSpPr>
-            <p:cNvPr id="54" name="TextBox 53">
-              <a:extLst>
-                <a:ext uri="{FF2B5EF4-FFF2-40B4-BE49-F238E27FC236}">
-                  <a16:creationId xmlns:a16="http://schemas.microsoft.com/office/drawing/2014/main" id="{A76DECEE-AECA-8A4C-B816-3E0C348B09F7}"/>
-                </a:ext>
-              </a:extLst>
-            </p:cNvPr>
-            <p:cNvSpPr txBox="1"/>
-            <p:nvPr/>
-          </p:nvSpPr>
-          <p:spPr>
-            <a:xfrm rot="5400000">
-              <a:off x="3261602" y="2348786"/>
-              <a:ext cx="679610" cy="276999"/>
-            </a:xfrm>
-            <a:prstGeom prst="rect">
-              <a:avLst/>
-            </a:prstGeom>
-            <a:noFill/>
-          </p:spPr>
-          <p:txBody>
-            <a:bodyPr wrap="none" rtlCol="0">
-              <a:spAutoFit/>
-            </a:bodyPr>
-            <a:lstStyle/>
-            <a:p>
-              <a:r>
-                <a:rPr lang="de-DE" sz="1200" dirty="0"/>
-                <a:t>Zustand</a:t>
-              </a:r>
-            </a:p>
-          </p:txBody>
-        </p:sp>
-      </p:grpSp>
-      <p:grpSp>
-        <p:nvGrpSpPr>
-          <p:cNvPr id="55" name="Group 54">
-            <a:extLst>
-              <a:ext uri="{FF2B5EF4-FFF2-40B4-BE49-F238E27FC236}">
-                <a16:creationId xmlns:a16="http://schemas.microsoft.com/office/drawing/2014/main" id="{64F56B61-292D-8C4D-AA8B-472686F10A64}"/>
-              </a:ext>
-            </a:extLst>
-          </p:cNvPr>
-          <p:cNvGrpSpPr/>
-          <p:nvPr/>
-        </p:nvGrpSpPr>
-        <p:grpSpPr>
-          <a:xfrm>
-            <a:off x="10428218" y="474581"/>
-            <a:ext cx="2389942" cy="2348623"/>
-            <a:chOff x="2406466" y="478468"/>
-            <a:chExt cx="2389942" cy="2348623"/>
-          </a:xfrm>
-        </p:grpSpPr>
-        <p:sp>
-          <p:nvSpPr>
-            <p:cNvPr id="56" name="TextBox 55">
-              <a:extLst>
-                <a:ext uri="{FF2B5EF4-FFF2-40B4-BE49-F238E27FC236}">
-                  <a16:creationId xmlns:a16="http://schemas.microsoft.com/office/drawing/2014/main" id="{C6BF61C6-E85A-0840-8402-1C7E042EDFAF}"/>
-                </a:ext>
-              </a:extLst>
-            </p:cNvPr>
-            <p:cNvSpPr txBox="1"/>
-            <p:nvPr/>
-          </p:nvSpPr>
-          <p:spPr>
-            <a:xfrm>
-              <a:off x="2998231" y="1352282"/>
-              <a:ext cx="929357" cy="369332"/>
-            </a:xfrm>
-            <a:prstGeom prst="rect">
-              <a:avLst/>
-            </a:prstGeom>
-            <a:noFill/>
-            <a:ln>
-              <a:solidFill>
-                <a:schemeClr val="accent1"/>
-              </a:solidFill>
-            </a:ln>
-          </p:spPr>
-          <p:txBody>
-            <a:bodyPr wrap="square" rtlCol="0">
-              <a:spAutoFit/>
-            </a:bodyPr>
-            <a:lstStyle/>
-            <a:p>
-              <a:pPr algn="ctr"/>
-              <a:r>
-                <a:rPr lang="de-DE" dirty="0"/>
-                <a:t>Player 3 </a:t>
-              </a:r>
-            </a:p>
-          </p:txBody>
-        </p:sp>
-        <p:cxnSp>
-          <p:nvCxnSpPr>
-            <p:cNvPr id="57" name="Straight Arrow Connector 56">
-              <a:extLst>
-                <a:ext uri="{FF2B5EF4-FFF2-40B4-BE49-F238E27FC236}">
-                  <a16:creationId xmlns:a16="http://schemas.microsoft.com/office/drawing/2014/main" id="{FE7C7BE2-8FE5-184B-9574-98821FAC7C56}"/>
-                </a:ext>
-              </a:extLst>
-            </p:cNvPr>
-            <p:cNvCxnSpPr>
-              <a:cxnSpLocks/>
-              <a:stCxn id="56" idx="2"/>
-            </p:cNvCxnSpPr>
-            <p:nvPr/>
-          </p:nvCxnSpPr>
-          <p:spPr>
-            <a:xfrm>
-              <a:off x="3462910" y="1721614"/>
-              <a:ext cx="0" cy="883363"/>
-            </a:xfrm>
-            <a:prstGeom prst="straightConnector1">
-              <a:avLst/>
-            </a:prstGeom>
-            <a:ln>
-              <a:tailEnd type="triangle"/>
-            </a:ln>
-          </p:spPr>
-          <p:style>
-            <a:lnRef idx="1">
-              <a:schemeClr val="accent1"/>
-            </a:lnRef>
-            <a:fillRef idx="0">
-              <a:schemeClr val="accent1"/>
-            </a:fillRef>
-            <a:effectRef idx="0">
-              <a:schemeClr val="accent1"/>
-            </a:effectRef>
-            <a:fontRef idx="minor">
-              <a:schemeClr val="tx1"/>
-            </a:fontRef>
-          </p:style>
-        </p:cxnSp>
-        <p:sp>
-          <p:nvSpPr>
-            <p:cNvPr id="58" name="Arc 57">
-              <a:extLst>
-                <a:ext uri="{FF2B5EF4-FFF2-40B4-BE49-F238E27FC236}">
-                  <a16:creationId xmlns:a16="http://schemas.microsoft.com/office/drawing/2014/main" id="{4ECF1D60-D2A5-8644-87C3-45E7D9C9BF4D}"/>
-                </a:ext>
-              </a:extLst>
-            </p:cNvPr>
-            <p:cNvSpPr/>
-            <p:nvPr/>
-          </p:nvSpPr>
-          <p:spPr>
-            <a:xfrm rot="5400000">
-              <a:off x="2671642" y="318039"/>
-              <a:ext cx="1582532" cy="1903391"/>
-            </a:xfrm>
-            <a:prstGeom prst="arc">
-              <a:avLst>
-                <a:gd name="adj1" fmla="val 15830423"/>
-                <a:gd name="adj2" fmla="val 0"/>
-              </a:avLst>
-            </a:prstGeom>
-            <a:ln>
-              <a:headEnd type="stealth"/>
-            </a:ln>
-          </p:spPr>
-          <p:style>
-            <a:lnRef idx="1">
-              <a:schemeClr val="accent1"/>
-            </a:lnRef>
-            <a:fillRef idx="0">
-              <a:schemeClr val="accent1"/>
-            </a:fillRef>
-            <a:effectRef idx="0">
-              <a:schemeClr val="accent1"/>
-            </a:effectRef>
-            <a:fontRef idx="minor">
-              <a:schemeClr val="tx1"/>
-            </a:fontRef>
-          </p:style>
-          <p:txBody>
-            <a:bodyPr rot="0" spcFirstLastPara="0" vertOverflow="overflow" horzOverflow="overflow" vert="horz" wrap="square" lIns="91440" tIns="45720" rIns="91440" bIns="45720" numCol="1" spcCol="0" rtlCol="0" fromWordArt="0" anchor="ctr" anchorCtr="0" forceAA="0" compatLnSpc="1">
-              <a:prstTxWarp prst="textNoShape">
-                <a:avLst/>
-              </a:prstTxWarp>
-              <a:noAutofit/>
-            </a:bodyPr>
-            <a:lstStyle/>
-            <a:p>
-              <a:pPr algn="ctr"/>
-              <a:endParaRPr lang="de-DE" dirty="0"/>
-            </a:p>
-          </p:txBody>
-        </p:sp>
-        <p:sp>
-          <p:nvSpPr>
-            <p:cNvPr id="59" name="Arc 58">
-              <a:extLst>
-                <a:ext uri="{FF2B5EF4-FFF2-40B4-BE49-F238E27FC236}">
-                  <a16:creationId xmlns:a16="http://schemas.microsoft.com/office/drawing/2014/main" id="{0975F135-A278-8741-B68E-417A6C70E7A5}"/>
-                </a:ext>
-              </a:extLst>
-            </p:cNvPr>
-            <p:cNvSpPr/>
-            <p:nvPr/>
-          </p:nvSpPr>
-          <p:spPr>
-            <a:xfrm rot="16200000" flipH="1">
-              <a:off x="2671642" y="318038"/>
-              <a:ext cx="1582532" cy="1903391"/>
-            </a:xfrm>
-            <a:prstGeom prst="arc">
-              <a:avLst>
-                <a:gd name="adj1" fmla="val 15830423"/>
-                <a:gd name="adj2" fmla="val 0"/>
-              </a:avLst>
-            </a:prstGeom>
-            <a:ln>
-              <a:headEnd type="none"/>
-              <a:tailEnd type="stealth"/>
-            </a:ln>
-          </p:spPr>
-          <p:style>
-            <a:lnRef idx="1">
-              <a:schemeClr val="accent1"/>
-            </a:lnRef>
-            <a:fillRef idx="0">
-              <a:schemeClr val="accent1"/>
-            </a:fillRef>
-            <a:effectRef idx="0">
-              <a:schemeClr val="accent1"/>
-            </a:effectRef>
-            <a:fontRef idx="minor">
-              <a:schemeClr val="tx1"/>
-            </a:fontRef>
-          </p:style>
-          <p:txBody>
-            <a:bodyPr rot="0" spcFirstLastPara="0" vertOverflow="overflow" horzOverflow="overflow" vert="horz" wrap="square" lIns="91440" tIns="45720" rIns="91440" bIns="45720" numCol="1" spcCol="0" rtlCol="0" fromWordArt="0" anchor="ctr" anchorCtr="0" forceAA="0" compatLnSpc="1">
-              <a:prstTxWarp prst="textNoShape">
-                <a:avLst/>
-              </a:prstTxWarp>
-              <a:noAutofit/>
-            </a:bodyPr>
-            <a:lstStyle/>
-            <a:p>
-              <a:pPr algn="ctr"/>
-              <a:endParaRPr lang="de-DE" dirty="0"/>
-            </a:p>
-          </p:txBody>
-        </p:sp>
-        <p:sp>
-          <p:nvSpPr>
-            <p:cNvPr id="60" name="TextBox 59">
-              <a:extLst>
-                <a:ext uri="{FF2B5EF4-FFF2-40B4-BE49-F238E27FC236}">
-                  <a16:creationId xmlns:a16="http://schemas.microsoft.com/office/drawing/2014/main" id="{D7B88BD0-7369-DC47-9D47-7E013E5D745F}"/>
-                </a:ext>
-              </a:extLst>
-            </p:cNvPr>
-            <p:cNvSpPr txBox="1"/>
-            <p:nvPr/>
-          </p:nvSpPr>
-          <p:spPr>
-            <a:xfrm>
-              <a:off x="2406466" y="1886296"/>
-              <a:ext cx="591765" cy="276999"/>
-            </a:xfrm>
-            <a:prstGeom prst="rect">
-              <a:avLst/>
-            </a:prstGeom>
-            <a:noFill/>
-          </p:spPr>
-          <p:txBody>
-            <a:bodyPr wrap="none" rtlCol="0">
-              <a:spAutoFit/>
-            </a:bodyPr>
-            <a:lstStyle/>
-            <a:p>
-              <a:pPr algn="r"/>
-              <a:r>
-                <a:rPr lang="de-DE" sz="1200" dirty="0"/>
-                <a:t>Events</a:t>
-              </a:r>
-            </a:p>
-          </p:txBody>
-        </p:sp>
-        <p:sp>
-          <p:nvSpPr>
-            <p:cNvPr id="61" name="TextBox 60">
-              <a:extLst>
-                <a:ext uri="{FF2B5EF4-FFF2-40B4-BE49-F238E27FC236}">
-                  <a16:creationId xmlns:a16="http://schemas.microsoft.com/office/drawing/2014/main" id="{689FDC97-5B78-7049-B087-F377A3DF8D68}"/>
-                </a:ext>
-              </a:extLst>
-            </p:cNvPr>
-            <p:cNvSpPr txBox="1"/>
-            <p:nvPr/>
-          </p:nvSpPr>
-          <p:spPr>
-            <a:xfrm>
-              <a:off x="3906421" y="1880272"/>
-              <a:ext cx="889987" cy="276999"/>
-            </a:xfrm>
-            <a:prstGeom prst="rect">
-              <a:avLst/>
-            </a:prstGeom>
-            <a:noFill/>
-          </p:spPr>
-          <p:txBody>
-            <a:bodyPr wrap="none" rtlCol="0">
-              <a:spAutoFit/>
-            </a:bodyPr>
-            <a:lstStyle/>
-            <a:p>
-              <a:r>
-                <a:rPr lang="de-DE" sz="1200" dirty="0" err="1"/>
-                <a:t>Commands</a:t>
-              </a:r>
-              <a:endParaRPr lang="de-DE" sz="1200" dirty="0"/>
-            </a:p>
-          </p:txBody>
-        </p:sp>
-        <p:sp>
-          <p:nvSpPr>
-            <p:cNvPr id="62" name="TextBox 61">
-              <a:extLst>
-                <a:ext uri="{FF2B5EF4-FFF2-40B4-BE49-F238E27FC236}">
-                  <a16:creationId xmlns:a16="http://schemas.microsoft.com/office/drawing/2014/main" id="{B3AD1DC9-52BA-E54B-A88C-AB9EB5639A12}"/>
-                </a:ext>
-              </a:extLst>
-            </p:cNvPr>
-            <p:cNvSpPr txBox="1"/>
-            <p:nvPr/>
-          </p:nvSpPr>
-          <p:spPr>
-            <a:xfrm rot="5400000">
-              <a:off x="3261602" y="2348786"/>
-              <a:ext cx="679610" cy="276999"/>
-            </a:xfrm>
-            <a:prstGeom prst="rect">
-              <a:avLst/>
-            </a:prstGeom>
-            <a:noFill/>
-          </p:spPr>
-          <p:txBody>
-            <a:bodyPr wrap="none" rtlCol="0">
-              <a:spAutoFit/>
-            </a:bodyPr>
-            <a:lstStyle/>
-            <a:p>
-              <a:r>
-                <a:rPr lang="de-DE" sz="1200" dirty="0"/>
-                <a:t>Zustand</a:t>
-              </a:r>
-            </a:p>
-          </p:txBody>
-        </p:sp>
-      </p:grpSp>
-    </p:spTree>
-    <p:extLst>
-      <p:ext uri="{BB962C8B-B14F-4D97-AF65-F5344CB8AC3E}">
-        <p14:creationId xmlns:p14="http://schemas.microsoft.com/office/powerpoint/2010/main" val="2143085989"/>
-      </p:ext>
-    </p:extLst>
-  </p:cSld>
-  <p:clrMapOvr>
-    <a:masterClrMapping/>
-  </p:clrMapOvr>
-</p:sld>
-</file>
-
-<file path=ppt/slides/slide2.xml><?xml version="1.0" encoding="utf-8"?>
 <p:sld xmlns:a="http://schemas.openxmlformats.org/drawingml/2006/main" xmlns:r="http://schemas.openxmlformats.org/officeDocument/2006/relationships" xmlns:p="http://schemas.openxmlformats.org/presentationml/2006/main">
   <p:cSld>
     <p:spTree>
